--- a/Презентация_шаблон_для защиты КП.pptx
+++ b/Презентация_шаблон_для защиты КП.pptx
@@ -6100,7 +6100,7 @@
         <p:spPr>
           <a:xfrm>
             <a:off x="475878" y="1340768"/>
-            <a:ext cx="3232026" cy="4752528"/>
+            <a:ext cx="3376042" cy="4752528"/>
           </a:xfrm>
         </p:spPr>
         <p:txBody>
@@ -7168,8 +7168,8 @@
         </p:nvSpPr>
         <p:spPr>
           <a:xfrm>
-            <a:off x="475878" y="1340767"/>
-            <a:ext cx="8200578" cy="2880321"/>
+            <a:off x="475878" y="1340768"/>
+            <a:ext cx="8200578" cy="2738214"/>
           </a:xfrm>
         </p:spPr>
         <p:txBody>

--- a/Презентация_шаблон_для защиты КП.pptx
+++ b/Презентация_шаблон_для защиты КП.pptx
@@ -116,7 +116,7 @@
   </p:defaultTextStyle>
   <p:extLst>
     <p:ext uri="{EFAFB233-063F-42B5-8137-9DF3F51BA10A}">
-      <p15:sldGuideLst xmlns:p15="http://schemas.microsoft.com/office/powerpoint/2012/main">
+      <p15:sldGuideLst xmlns:p15="http://schemas.microsoft.com/office/powerpoint/2012/main" xmlns="">
         <p15:guide id="1" orient="horz" pos="2160">
           <p15:clr>
             <a:srgbClr val="A4A3A4"/>
@@ -530,170 +530,21 @@
           <a:lstStyle/>
           <a:p>
             <a:r>
-              <a:rPr lang="ru-RU" sz="1200" kern="1200" dirty="0" smtClean="0">
-                <a:solidFill>
-                  <a:schemeClr val="tx1"/>
-                </a:solidFill>
-                <a:effectLst/>
-                <a:latin typeface="+mn-lt"/>
-                <a:ea typeface="+mn-ea"/>
-                <a:cs typeface="+mn-cs"/>
-              </a:rPr>
-              <a:t>Невозможно представить современный мир без интернета, интернет обеспечивает своевременную работоспособность веб-серверов для сотен тысяч предприятий и фирм, для миллионов развлекательных, маркетинговых, некоммерческих и обучающих веб-сайтов.</a:t>
-            </a:r>
-          </a:p>
-          <a:p>
-            <a:pPr marL="0" marR="0" indent="0" algn="l" defTabSz="914400" rtl="0" eaLnBrk="1" fontAlgn="auto" latinLnBrk="0" hangingPunct="1">
-              <a:lnSpc>
-                <a:spcPct val="100000"/>
-              </a:lnSpc>
-              <a:spcBef>
-                <a:spcPts val="0"/>
-              </a:spcBef>
-              <a:spcAft>
-                <a:spcPts val="0"/>
-              </a:spcAft>
-              <a:buClrTx/>
-              <a:buSzTx/>
-              <a:buFontTx/>
-              <a:buNone/>
-              <a:tabLst/>
-              <a:defRPr/>
-            </a:pPr>
-            <a:r>
-              <a:rPr lang="ru-RU" sz="1200" kern="1200" dirty="0" smtClean="0">
-                <a:solidFill>
-                  <a:schemeClr val="tx1"/>
-                </a:solidFill>
-                <a:effectLst/>
-                <a:latin typeface="+mn-lt"/>
-                <a:ea typeface="+mn-ea"/>
-                <a:cs typeface="+mn-cs"/>
-              </a:rPr>
-              <a:t>Веб-сайт постоянно подвергается различным атакам. По исследованиям </a:t>
-            </a:r>
-            <a:r>
-              <a:rPr lang="ru-RU" sz="1200" kern="1200" dirty="0" err="1" smtClean="0">
-                <a:solidFill>
-                  <a:schemeClr val="tx1"/>
-                </a:solidFill>
-                <a:effectLst/>
-                <a:latin typeface="+mn-lt"/>
-                <a:ea typeface="+mn-ea"/>
-                <a:cs typeface="+mn-cs"/>
-              </a:rPr>
-              <a:t>Check</a:t>
-            </a:r>
-            <a:r>
-              <a:rPr lang="ru-RU" sz="1200" kern="1200" dirty="0" smtClean="0">
-                <a:solidFill>
-                  <a:schemeClr val="tx1"/>
-                </a:solidFill>
-                <a:effectLst/>
-                <a:latin typeface="+mn-lt"/>
-                <a:ea typeface="+mn-ea"/>
-                <a:cs typeface="+mn-cs"/>
-              </a:rPr>
-              <a:t> </a:t>
-            </a:r>
-            <a:r>
-              <a:rPr lang="ru-RU" sz="1200" kern="1200" dirty="0" err="1" smtClean="0">
-                <a:solidFill>
-                  <a:schemeClr val="tx1"/>
-                </a:solidFill>
-                <a:effectLst/>
-                <a:latin typeface="+mn-lt"/>
-                <a:ea typeface="+mn-ea"/>
-                <a:cs typeface="+mn-cs"/>
-              </a:rPr>
-              <a:t>Point</a:t>
-            </a:r>
-            <a:r>
-              <a:rPr lang="ru-RU" sz="1200" kern="1200" dirty="0" smtClean="0">
-                <a:solidFill>
-                  <a:schemeClr val="tx1"/>
-                </a:solidFill>
-                <a:effectLst/>
-                <a:latin typeface="+mn-lt"/>
-                <a:ea typeface="+mn-ea"/>
-                <a:cs typeface="+mn-cs"/>
-              </a:rPr>
-              <a:t> </a:t>
-            </a:r>
-            <a:r>
-              <a:rPr lang="ru-RU" sz="1200" kern="1200" dirty="0" err="1" smtClean="0">
-                <a:solidFill>
-                  <a:schemeClr val="tx1"/>
-                </a:solidFill>
-                <a:effectLst/>
-                <a:latin typeface="+mn-lt"/>
-                <a:ea typeface="+mn-ea"/>
-                <a:cs typeface="+mn-cs"/>
-              </a:rPr>
-              <a:t>Software</a:t>
-            </a:r>
-            <a:r>
-              <a:rPr lang="ru-RU" sz="1200" kern="1200" dirty="0" smtClean="0">
-                <a:solidFill>
-                  <a:schemeClr val="tx1"/>
-                </a:solidFill>
-                <a:effectLst/>
-                <a:latin typeface="+mn-lt"/>
-                <a:ea typeface="+mn-ea"/>
-                <a:cs typeface="+mn-cs"/>
-              </a:rPr>
-              <a:t> </a:t>
-            </a:r>
-            <a:r>
-              <a:rPr lang="ru-RU" sz="1200" kern="1200" dirty="0" err="1" smtClean="0">
-                <a:solidFill>
-                  <a:schemeClr val="tx1"/>
-                </a:solidFill>
-                <a:effectLst/>
-                <a:latin typeface="+mn-lt"/>
-                <a:ea typeface="+mn-ea"/>
-                <a:cs typeface="+mn-cs"/>
-              </a:rPr>
-              <a:t>Technologies</a:t>
-            </a:r>
-            <a:r>
-              <a:rPr lang="ru-RU" sz="1200" kern="1200" dirty="0" smtClean="0">
-                <a:solidFill>
-                  <a:schemeClr val="tx1"/>
-                </a:solidFill>
-                <a:effectLst/>
-                <a:latin typeface="+mn-lt"/>
-                <a:ea typeface="+mn-ea"/>
-                <a:cs typeface="+mn-cs"/>
-              </a:rPr>
-              <a:t>, количество кибератак в 2021 году возросло на 40% по сравнению с 2020 годом. В России сумма атак увеличилось на 54%. В среднем, каждую неделю хакеры осуществляли 1153 </a:t>
-            </a:r>
-            <a:r>
-              <a:rPr lang="ru-RU" sz="1200" kern="1200" dirty="0" err="1" smtClean="0">
-                <a:solidFill>
-                  <a:schemeClr val="tx1"/>
-                </a:solidFill>
-                <a:effectLst/>
-                <a:latin typeface="+mn-lt"/>
-                <a:ea typeface="+mn-ea"/>
-                <a:cs typeface="+mn-cs"/>
-              </a:rPr>
-              <a:t>кибератаки</a:t>
-            </a:r>
-            <a:r>
-              <a:rPr lang="ru-RU" sz="1200" kern="1200" dirty="0" smtClean="0">
-                <a:solidFill>
-                  <a:schemeClr val="tx1"/>
-                </a:solidFill>
-                <a:effectLst/>
-                <a:latin typeface="+mn-lt"/>
-                <a:ea typeface="+mn-ea"/>
-                <a:cs typeface="+mn-cs"/>
-              </a:rPr>
-              <a:t>. </a:t>
-            </a:r>
-          </a:p>
-          <a:p>
+              <a:rPr lang="ru-RU" dirty="0" smtClean="0"/>
+              <a:t>Тема</a:t>
+            </a:r>
+            <a:r>
+              <a:rPr lang="ru-RU" baseline="0" dirty="0" smtClean="0"/>
+              <a:t> курсового проекта Проектирование и разработка веб-</a:t>
+            </a:r>
+            <a:r>
+              <a:rPr lang="ru-RU" baseline="0" dirty="0" err="1" smtClean="0"/>
+              <a:t>квеста</a:t>
+            </a:r>
+            <a:r>
+              <a:rPr lang="ru-RU" baseline="0" dirty="0" smtClean="0"/>
+              <a:t> уязвимости веб приложений</a:t>
+            </a:r>
             <a:endParaRPr lang="ru-RU" dirty="0"/>
           </a:p>
         </p:txBody>
@@ -716,7 +567,7 @@
             <a:fld id="{CB333C84-2CFA-4DD2-89FC-3019C6957BF5}" type="slidenum">
               <a:rPr lang="ru-RU" smtClean="0"/>
               <a:pPr/>
-              <a:t>2</a:t>
+              <a:t>1</a:t>
             </a:fld>
             <a:endParaRPr lang="ru-RU"/>
           </a:p>
@@ -725,7 +576,7 @@
     </p:spTree>
     <p:extLst>
       <p:ext uri="{BB962C8B-B14F-4D97-AF65-F5344CB8AC3E}">
-        <p14:creationId xmlns:p14="http://schemas.microsoft.com/office/powerpoint/2010/main" val="2849435302"/>
+        <p14:creationId xmlns:p14="http://schemas.microsoft.com/office/powerpoint/2010/main" val="3569496211"/>
       </p:ext>
     </p:extLst>
   </p:cSld>
@@ -779,6 +630,44 @@
           <a:bodyPr/>
           <a:lstStyle/>
           <a:p>
+            <a:r>
+              <a:rPr lang="ru-RU" sz="1200" kern="1200" dirty="0" smtClean="0">
+                <a:solidFill>
+                  <a:schemeClr val="tx1"/>
+                </a:solidFill>
+                <a:effectLst/>
+                <a:latin typeface="+mn-lt"/>
+                <a:ea typeface="+mn-ea"/>
+                <a:cs typeface="+mn-cs"/>
+              </a:rPr>
+              <a:t>Невозможно представить современный мир без интернета, интернет обеспечивает своевременную работоспособность веб-серверов </a:t>
+            </a:r>
+            <a:r>
+              <a:rPr lang="ru-RU" sz="1200" kern="1200" dirty="0" smtClean="0">
+                <a:solidFill>
+                  <a:schemeClr val="tx1"/>
+                </a:solidFill>
+                <a:effectLst/>
+                <a:latin typeface="+mn-lt"/>
+                <a:ea typeface="+mn-ea"/>
+                <a:cs typeface="+mn-cs"/>
+              </a:rPr>
+              <a:t>для тысяч </a:t>
+            </a:r>
+            <a:r>
+              <a:rPr lang="ru-RU" sz="1200" kern="1200" dirty="0" smtClean="0">
+                <a:solidFill>
+                  <a:schemeClr val="tx1"/>
+                </a:solidFill>
+                <a:effectLst/>
+                <a:latin typeface="+mn-lt"/>
+                <a:ea typeface="+mn-ea"/>
+                <a:cs typeface="+mn-cs"/>
+              </a:rPr>
+              <a:t>предприятий и фирм, для миллионов развлекательных, маркетинговых и некоммерческих веб-сайтов.</a:t>
+            </a:r>
+          </a:p>
+          <a:p>
             <a:pPr marL="0" marR="0" indent="0" algn="l" defTabSz="914400" rtl="0" eaLnBrk="1" fontAlgn="auto" latinLnBrk="0" hangingPunct="1">
               <a:lnSpc>
                 <a:spcPct val="100000"/>
@@ -797,7 +686,7 @@
               <a:defRPr/>
             </a:pPr>
             <a:r>
-              <a:rPr lang="ru-RU" sz="1200" i="0" kern="1200" dirty="0" smtClean="0">
+              <a:rPr lang="ru-RU" sz="1200" kern="1200" dirty="0" smtClean="0">
                 <a:solidFill>
                   <a:schemeClr val="tx1"/>
                 </a:solidFill>
@@ -806,10 +695,10 @@
                 <a:ea typeface="+mn-ea"/>
                 <a:cs typeface="+mn-cs"/>
               </a:rPr>
-              <a:t>Выбранная тема курсового проекта «Проектирование и разработка интерфейсов пользователя веб-</a:t>
-            </a:r>
-            <a:r>
-              <a:rPr lang="ru-RU" sz="1200" i="0" kern="1200" dirty="0" err="1" smtClean="0">
+              <a:t>Веб-сайт постоянно подвергается различным атакам. По исследованиям </a:t>
+            </a:r>
+            <a:r>
+              <a:rPr lang="ru-RU" sz="1200" kern="1200" dirty="0" err="1" smtClean="0">
                 <a:solidFill>
                   <a:schemeClr val="tx1"/>
                 </a:solidFill>
@@ -818,10 +707,10 @@
                 <a:ea typeface="+mn-ea"/>
                 <a:cs typeface="+mn-cs"/>
               </a:rPr>
-              <a:t>квеста</a:t>
-            </a:r>
-            <a:r>
-              <a:rPr lang="ru-RU" sz="1200" i="0" kern="1200" dirty="0" smtClean="0">
+              <a:t>Check</a:t>
+            </a:r>
+            <a:r>
+              <a:rPr lang="ru-RU" sz="1200" kern="1200" dirty="0" smtClean="0">
                 <a:solidFill>
                   <a:schemeClr val="tx1"/>
                 </a:solidFill>
@@ -830,17 +719,104 @@
                 <a:ea typeface="+mn-ea"/>
                 <a:cs typeface="+mn-cs"/>
               </a:rPr>
-              <a:t> «Уязвимости веб-приложений» предназначена для овладения навыками защиты веб-сайтов от внешних угроз и хакерских атак, является актуальной, в силу того, что в мире информационных технологий сайты хранят большое количество актуальной персональной информации, которая может использоваться злоумышленниками.</a:t>
-            </a:r>
-            <a:endParaRPr lang="ru-RU" sz="1200" i="1" kern="1200" dirty="0" smtClean="0">
-              <a:solidFill>
-                <a:schemeClr val="tx1"/>
-              </a:solidFill>
-              <a:effectLst/>
-              <a:latin typeface="+mn-lt"/>
-              <a:ea typeface="+mn-ea"/>
-              <a:cs typeface="+mn-cs"/>
-            </a:endParaRPr>
+              <a:t> </a:t>
+            </a:r>
+            <a:r>
+              <a:rPr lang="ru-RU" sz="1200" kern="1200" dirty="0" err="1" smtClean="0">
+                <a:solidFill>
+                  <a:schemeClr val="tx1"/>
+                </a:solidFill>
+                <a:effectLst/>
+                <a:latin typeface="+mn-lt"/>
+                <a:ea typeface="+mn-ea"/>
+                <a:cs typeface="+mn-cs"/>
+              </a:rPr>
+              <a:t>Point</a:t>
+            </a:r>
+            <a:r>
+              <a:rPr lang="ru-RU" sz="1200" kern="1200" dirty="0" smtClean="0">
+                <a:solidFill>
+                  <a:schemeClr val="tx1"/>
+                </a:solidFill>
+                <a:effectLst/>
+                <a:latin typeface="+mn-lt"/>
+                <a:ea typeface="+mn-ea"/>
+                <a:cs typeface="+mn-cs"/>
+              </a:rPr>
+              <a:t> </a:t>
+            </a:r>
+            <a:r>
+              <a:rPr lang="ru-RU" sz="1200" kern="1200" dirty="0" err="1" smtClean="0">
+                <a:solidFill>
+                  <a:schemeClr val="tx1"/>
+                </a:solidFill>
+                <a:effectLst/>
+                <a:latin typeface="+mn-lt"/>
+                <a:ea typeface="+mn-ea"/>
+                <a:cs typeface="+mn-cs"/>
+              </a:rPr>
+              <a:t>Software</a:t>
+            </a:r>
+            <a:r>
+              <a:rPr lang="ru-RU" sz="1200" kern="1200" dirty="0" smtClean="0">
+                <a:solidFill>
+                  <a:schemeClr val="tx1"/>
+                </a:solidFill>
+                <a:effectLst/>
+                <a:latin typeface="+mn-lt"/>
+                <a:ea typeface="+mn-ea"/>
+                <a:cs typeface="+mn-cs"/>
+              </a:rPr>
+              <a:t> </a:t>
+            </a:r>
+            <a:r>
+              <a:rPr lang="ru-RU" sz="1200" kern="1200" dirty="0" err="1" smtClean="0">
+                <a:solidFill>
+                  <a:schemeClr val="tx1"/>
+                </a:solidFill>
+                <a:effectLst/>
+                <a:latin typeface="+mn-lt"/>
+                <a:ea typeface="+mn-ea"/>
+                <a:cs typeface="+mn-cs"/>
+              </a:rPr>
+              <a:t>Technologies</a:t>
+            </a:r>
+            <a:r>
+              <a:rPr lang="ru-RU" sz="1200" kern="1200" dirty="0" smtClean="0">
+                <a:solidFill>
+                  <a:schemeClr val="tx1"/>
+                </a:solidFill>
+                <a:effectLst/>
+                <a:latin typeface="+mn-lt"/>
+                <a:ea typeface="+mn-ea"/>
+                <a:cs typeface="+mn-cs"/>
+              </a:rPr>
+              <a:t>, количество кибератак в 2021 году возросло на 40% по сравнению с 2020 годом. В России сумма атак увеличилось на 54%. В среднем, каждую неделю хакеры осуществляли 1153 </a:t>
+            </a:r>
+            <a:r>
+              <a:rPr lang="ru-RU" sz="1200" kern="1200" dirty="0" err="1" smtClean="0">
+                <a:solidFill>
+                  <a:schemeClr val="tx1"/>
+                </a:solidFill>
+                <a:effectLst/>
+                <a:latin typeface="+mn-lt"/>
+                <a:ea typeface="+mn-ea"/>
+                <a:cs typeface="+mn-cs"/>
+              </a:rPr>
+              <a:t>кибератаки</a:t>
+            </a:r>
+            <a:r>
+              <a:rPr lang="ru-RU" sz="1200" kern="1200" dirty="0" smtClean="0">
+                <a:solidFill>
+                  <a:schemeClr val="tx1"/>
+                </a:solidFill>
+                <a:effectLst/>
+                <a:latin typeface="+mn-lt"/>
+                <a:ea typeface="+mn-ea"/>
+                <a:cs typeface="+mn-cs"/>
+              </a:rPr>
+              <a:t>. </a:t>
+            </a:r>
           </a:p>
           <a:p>
             <a:endParaRPr lang="ru-RU" dirty="0"/>
@@ -865,7 +841,7 @@
             <a:fld id="{CB333C84-2CFA-4DD2-89FC-3019C6957BF5}" type="slidenum">
               <a:rPr lang="ru-RU" smtClean="0"/>
               <a:pPr/>
-              <a:t>3</a:t>
+              <a:t>2</a:t>
             </a:fld>
             <a:endParaRPr lang="ru-RU"/>
           </a:p>
@@ -874,7 +850,7 @@
     </p:spTree>
     <p:extLst>
       <p:ext uri="{BB962C8B-B14F-4D97-AF65-F5344CB8AC3E}">
-        <p14:creationId xmlns:p14="http://schemas.microsoft.com/office/powerpoint/2010/main" val="3225299070"/>
+        <p14:creationId xmlns:p14="http://schemas.microsoft.com/office/powerpoint/2010/main" val="2849435302"/>
       </p:ext>
     </p:extLst>
   </p:cSld>
@@ -946,7 +922,7 @@
               <a:defRPr/>
             </a:pPr>
             <a:r>
-              <a:rPr lang="ru-RU" sz="1200" kern="1200" dirty="0" smtClean="0">
+              <a:rPr lang="ru-RU" sz="1200" i="0" kern="1200" dirty="0" smtClean="0">
                 <a:solidFill>
                   <a:schemeClr val="tx1"/>
                 </a:solidFill>
@@ -955,8 +931,41 @@
                 <a:ea typeface="+mn-ea"/>
                 <a:cs typeface="+mn-cs"/>
               </a:rPr>
-              <a:t>При разработке проекта для обеспечения его наибольшей эффективности весьма важно учитывать все специфики информационной среды, в которой будет происходить эксплуатация.</a:t>
-            </a:r>
+              <a:t>Выбранная тема курсового проекта «Проектирование и разработка интерфейсов пользователя веб-</a:t>
+            </a:r>
+            <a:r>
+              <a:rPr lang="ru-RU" sz="1200" i="0" kern="1200" dirty="0" err="1" smtClean="0">
+                <a:solidFill>
+                  <a:schemeClr val="tx1"/>
+                </a:solidFill>
+                <a:effectLst/>
+                <a:latin typeface="+mn-lt"/>
+                <a:ea typeface="+mn-ea"/>
+                <a:cs typeface="+mn-cs"/>
+              </a:rPr>
+              <a:t>квеста</a:t>
+            </a:r>
+            <a:r>
+              <a:rPr lang="ru-RU" sz="1200" i="0" kern="1200" dirty="0" smtClean="0">
+                <a:solidFill>
+                  <a:schemeClr val="tx1"/>
+                </a:solidFill>
+                <a:effectLst/>
+                <a:latin typeface="+mn-lt"/>
+                <a:ea typeface="+mn-ea"/>
+                <a:cs typeface="+mn-cs"/>
+              </a:rPr>
+              <a:t> «Уязвимости веб-приложений» предназначена для овладения навыками защиты веб-сайтов от внешних угроз и хакерских атак, является актуальной, в силу того, что в мире информационных технологий сайты хранят большое количество актуальной персональной информации, которая может использоваться злоумышленниками.</a:t>
+            </a:r>
+            <a:endParaRPr lang="ru-RU" sz="1200" i="1" kern="1200" dirty="0" smtClean="0">
+              <a:solidFill>
+                <a:schemeClr val="tx1"/>
+              </a:solidFill>
+              <a:effectLst/>
+              <a:latin typeface="+mn-lt"/>
+              <a:ea typeface="+mn-ea"/>
+              <a:cs typeface="+mn-cs"/>
+            </a:endParaRPr>
           </a:p>
           <a:p>
             <a:endParaRPr lang="ru-RU" dirty="0"/>
@@ -981,7 +990,7 @@
             <a:fld id="{CB333C84-2CFA-4DD2-89FC-3019C6957BF5}" type="slidenum">
               <a:rPr lang="ru-RU" smtClean="0"/>
               <a:pPr/>
-              <a:t>4</a:t>
+              <a:t>3</a:t>
             </a:fld>
             <a:endParaRPr lang="ru-RU"/>
           </a:p>
@@ -990,7 +999,7 @@
     </p:spTree>
     <p:extLst>
       <p:ext uri="{BB962C8B-B14F-4D97-AF65-F5344CB8AC3E}">
-        <p14:creationId xmlns:p14="http://schemas.microsoft.com/office/powerpoint/2010/main" val="236832510"/>
+        <p14:creationId xmlns:p14="http://schemas.microsoft.com/office/powerpoint/2010/main" val="3225299070"/>
       </p:ext>
     </p:extLst>
   </p:cSld>
@@ -1044,6 +1053,23 @@
           <a:bodyPr/>
           <a:lstStyle/>
           <a:p>
+            <a:pPr marL="0" marR="0" indent="0" algn="l" defTabSz="914400" rtl="0" eaLnBrk="1" fontAlgn="auto" latinLnBrk="0" hangingPunct="1">
+              <a:lnSpc>
+                <a:spcPct val="100000"/>
+              </a:lnSpc>
+              <a:spcBef>
+                <a:spcPts val="0"/>
+              </a:spcBef>
+              <a:spcAft>
+                <a:spcPts val="0"/>
+              </a:spcAft>
+              <a:buClrTx/>
+              <a:buSzTx/>
+              <a:buFontTx/>
+              <a:buNone/>
+              <a:tabLst/>
+              <a:defRPr/>
+            </a:pPr>
             <a:r>
               <a:rPr lang="ru-RU" sz="1200" kern="1200" dirty="0" smtClean="0">
                 <a:solidFill>
@@ -1054,41 +1080,11 @@
                 <a:ea typeface="+mn-ea"/>
                 <a:cs typeface="+mn-cs"/>
               </a:rPr>
-              <a:t>Оставленные без внимания уязвимости приводят к </a:t>
-            </a:r>
-            <a:r>
-              <a:rPr lang="ru-RU" sz="1200" kern="1200" dirty="0" err="1" smtClean="0">
-                <a:solidFill>
-                  <a:schemeClr val="tx1"/>
-                </a:solidFill>
-                <a:effectLst/>
-                <a:latin typeface="+mn-lt"/>
-                <a:ea typeface="+mn-ea"/>
-                <a:cs typeface="+mn-cs"/>
-              </a:rPr>
-              <a:t>кибератакам</a:t>
-            </a:r>
-            <a:r>
-              <a:rPr lang="ru-RU" sz="1200" kern="1200" dirty="0" smtClean="0">
-                <a:solidFill>
-                  <a:schemeClr val="tx1"/>
-                </a:solidFill>
-                <a:effectLst/>
-                <a:latin typeface="+mn-lt"/>
-                <a:ea typeface="+mn-ea"/>
-                <a:cs typeface="+mn-cs"/>
-              </a:rPr>
-              <a:t> и как следствие к утечке личных данных сотрудников, потере доступа к веб ресурсу и краже финансовых документов.   </a:t>
-            </a:r>
-            <a:endParaRPr lang="ru-RU" sz="1200" kern="1200" dirty="0">
-              <a:solidFill>
-                <a:schemeClr val="tx1"/>
-              </a:solidFill>
-              <a:effectLst/>
-              <a:latin typeface="+mn-lt"/>
-              <a:ea typeface="+mn-ea"/>
-              <a:cs typeface="+mn-cs"/>
-            </a:endParaRPr>
+              <a:t>При разработке проекта для обеспечения его наибольшей эффективности весьма важно учитывать все специфики информационной среды, в которой будет происходить эксплуатация.</a:t>
+            </a:r>
+          </a:p>
+          <a:p>
+            <a:endParaRPr lang="ru-RU" dirty="0"/>
           </a:p>
         </p:txBody>
       </p:sp>
@@ -1110,7 +1106,7 @@
             <a:fld id="{CB333C84-2CFA-4DD2-89FC-3019C6957BF5}" type="slidenum">
               <a:rPr lang="ru-RU" smtClean="0"/>
               <a:pPr/>
-              <a:t>5</a:t>
+              <a:t>4</a:t>
             </a:fld>
             <a:endParaRPr lang="ru-RU"/>
           </a:p>
@@ -1119,7 +1115,7 @@
     </p:spTree>
     <p:extLst>
       <p:ext uri="{BB962C8B-B14F-4D97-AF65-F5344CB8AC3E}">
-        <p14:creationId xmlns:p14="http://schemas.microsoft.com/office/powerpoint/2010/main" val="1731702361"/>
+        <p14:creationId xmlns:p14="http://schemas.microsoft.com/office/powerpoint/2010/main" val="236832510"/>
       </p:ext>
     </p:extLst>
   </p:cSld>
@@ -1173,23 +1169,6 @@
           <a:bodyPr/>
           <a:lstStyle/>
           <a:p>
-            <a:pPr marL="0" marR="0" indent="0" algn="l" defTabSz="914400" rtl="0" eaLnBrk="1" fontAlgn="auto" latinLnBrk="0" hangingPunct="1">
-              <a:lnSpc>
-                <a:spcPct val="100000"/>
-              </a:lnSpc>
-              <a:spcBef>
-                <a:spcPts val="0"/>
-              </a:spcBef>
-              <a:spcAft>
-                <a:spcPts val="0"/>
-              </a:spcAft>
-              <a:buClrTx/>
-              <a:buSzTx/>
-              <a:buFontTx/>
-              <a:buNone/>
-              <a:tabLst/>
-              <a:defRPr/>
-            </a:pPr>
             <a:r>
               <a:rPr lang="ru-RU" sz="1200" kern="1200" dirty="0" smtClean="0">
                 <a:solidFill>
@@ -1200,29 +1179,10 @@
                 <a:ea typeface="+mn-ea"/>
                 <a:cs typeface="+mn-cs"/>
               </a:rPr>
-              <a:t>При разработке проекта для обеспечения его наибольшей эффективности весьма важно учитывать все специфики информационной среды, в которой будет происходить эксплуатация.</a:t>
-            </a:r>
-          </a:p>
-          <a:p>
-            <a:pPr marL="0" marR="0" indent="0" algn="l" defTabSz="914400" rtl="0" eaLnBrk="1" fontAlgn="auto" latinLnBrk="0" hangingPunct="1">
-              <a:lnSpc>
-                <a:spcPct val="100000"/>
-              </a:lnSpc>
-              <a:spcBef>
-                <a:spcPts val="0"/>
-              </a:spcBef>
-              <a:spcAft>
-                <a:spcPts val="0"/>
-              </a:spcAft>
-              <a:buClrTx/>
-              <a:buSzTx/>
-              <a:buFontTx/>
-              <a:buNone/>
-              <a:tabLst/>
-              <a:defRPr/>
-            </a:pPr>
-            <a:r>
-              <a:rPr lang="ru-RU" sz="1200" kern="1200" dirty="0" smtClean="0">
+              <a:t>Оставленные без внимания уязвимости приводят к </a:t>
+            </a:r>
+            <a:r>
+              <a:rPr lang="ru-RU" sz="1200" kern="1200" dirty="0" err="1" smtClean="0">
                 <a:solidFill>
                   <a:schemeClr val="tx1"/>
                 </a:solidFill>
@@ -1231,10 +1191,10 @@
                 <a:ea typeface="+mn-ea"/>
                 <a:cs typeface="+mn-cs"/>
               </a:rPr>
-              <a:t>В качестве основного</a:t>
-            </a:r>
-            <a:r>
-              <a:rPr lang="ru-RU" sz="1200" kern="1200" baseline="0" dirty="0" smtClean="0">
+              <a:t>кибератакам</a:t>
+            </a:r>
+            <a:r>
+              <a:rPr lang="ru-RU" sz="1200" kern="1200" dirty="0" smtClean="0">
                 <a:solidFill>
                   <a:schemeClr val="tx1"/>
                 </a:solidFill>
@@ -1243,45 +1203,9 @@
                 <a:ea typeface="+mn-ea"/>
                 <a:cs typeface="+mn-cs"/>
               </a:rPr>
-              <a:t> редактора кода был выбран </a:t>
-            </a:r>
-            <a:r>
-              <a:rPr lang="en-US" sz="1200" kern="1200" baseline="0" dirty="0" smtClean="0">
-                <a:solidFill>
-                  <a:schemeClr val="tx1"/>
-                </a:solidFill>
-                <a:effectLst/>
-                <a:latin typeface="+mn-lt"/>
-                <a:ea typeface="+mn-ea"/>
-                <a:cs typeface="+mn-cs"/>
-              </a:rPr>
-              <a:t>Visual studio code</a:t>
-            </a:r>
-            <a:r>
-              <a:rPr lang="ru-RU" sz="1200" kern="1200" baseline="0" dirty="0" smtClean="0">
-                <a:solidFill>
-                  <a:schemeClr val="tx1"/>
-                </a:solidFill>
-                <a:effectLst/>
-                <a:latin typeface="+mn-lt"/>
-                <a:ea typeface="+mn-ea"/>
-                <a:cs typeface="+mn-cs"/>
-              </a:rPr>
-              <a:t>, как более доступное и удобное ПО. Для создания макета был выбран бесплатный сервис </a:t>
-            </a:r>
-            <a:r>
-              <a:rPr lang="en-US" sz="1200" kern="1200" baseline="0" dirty="0" err="1" smtClean="0">
-                <a:solidFill>
-                  <a:schemeClr val="tx1"/>
-                </a:solidFill>
-                <a:effectLst/>
-                <a:latin typeface="+mn-lt"/>
-                <a:ea typeface="+mn-ea"/>
-                <a:cs typeface="+mn-cs"/>
-              </a:rPr>
-              <a:t>Figma</a:t>
-            </a:r>
-            <a:endParaRPr lang="ru-RU" sz="1200" kern="1200" dirty="0" smtClean="0">
+              <a:t> и как следствие к утечке личных данных сотрудников, потере доступа к веб ресурсу и краже финансовых документов.   </a:t>
+            </a:r>
+            <a:endParaRPr lang="ru-RU" sz="1200" kern="1200" dirty="0">
               <a:solidFill>
                 <a:schemeClr val="tx1"/>
               </a:solidFill>
@@ -1291,9 +1215,6 @@
               <a:cs typeface="+mn-cs"/>
             </a:endParaRPr>
           </a:p>
-          <a:p>
-            <a:endParaRPr lang="ru-RU" dirty="0"/>
-          </a:p>
         </p:txBody>
       </p:sp>
       <p:sp>
@@ -1314,7 +1235,7 @@
             <a:fld id="{CB333C84-2CFA-4DD2-89FC-3019C6957BF5}" type="slidenum">
               <a:rPr lang="ru-RU" smtClean="0"/>
               <a:pPr/>
-              <a:t>6</a:t>
+              <a:t>5</a:t>
             </a:fld>
             <a:endParaRPr lang="ru-RU"/>
           </a:p>
@@ -1323,7 +1244,7 @@
     </p:spTree>
     <p:extLst>
       <p:ext uri="{BB962C8B-B14F-4D97-AF65-F5344CB8AC3E}">
-        <p14:creationId xmlns:p14="http://schemas.microsoft.com/office/powerpoint/2010/main" val="2279484608"/>
+        <p14:creationId xmlns:p14="http://schemas.microsoft.com/office/powerpoint/2010/main" val="1731702361"/>
       </p:ext>
     </p:extLst>
   </p:cSld>
@@ -1395,7 +1316,7 @@
               <a:defRPr/>
             </a:pPr>
             <a:r>
-              <a:rPr lang="ru-RU" sz="1200" kern="1200" dirty="0" err="1" smtClean="0">
+              <a:rPr lang="ru-RU" sz="1200" kern="1200" dirty="0" smtClean="0">
                 <a:solidFill>
                   <a:schemeClr val="tx1"/>
                 </a:solidFill>
@@ -1404,8 +1325,27 @@
                 <a:ea typeface="+mn-ea"/>
                 <a:cs typeface="+mn-cs"/>
               </a:rPr>
-              <a:t>Вайрфрейм</a:t>
-            </a:r>
+              <a:t>При разработке проекта для обеспечения его наибольшей эффективности весьма важно учитывать все специфики информационной среды, в которой будет происходить эксплуатация.</a:t>
+            </a:r>
+          </a:p>
+          <a:p>
+            <a:pPr marL="0" marR="0" indent="0" algn="l" defTabSz="914400" rtl="0" eaLnBrk="1" fontAlgn="auto" latinLnBrk="0" hangingPunct="1">
+              <a:lnSpc>
+                <a:spcPct val="100000"/>
+              </a:lnSpc>
+              <a:spcBef>
+                <a:spcPts val="0"/>
+              </a:spcBef>
+              <a:spcAft>
+                <a:spcPts val="0"/>
+              </a:spcAft>
+              <a:buClrTx/>
+              <a:buSzTx/>
+              <a:buFontTx/>
+              <a:buNone/>
+              <a:tabLst/>
+              <a:defRPr/>
+            </a:pPr>
             <a:r>
               <a:rPr lang="ru-RU" sz="1200" kern="1200" dirty="0" smtClean="0">
                 <a:solidFill>
@@ -1416,10 +1356,10 @@
                 <a:ea typeface="+mn-ea"/>
                 <a:cs typeface="+mn-cs"/>
               </a:rPr>
-              <a:t> – это образ дизайна низкой точности. Он должен четко показывать: основою группу контента, на картинке справа вы видите </a:t>
-            </a:r>
-            <a:r>
-              <a:rPr lang="ru-RU" sz="1200" kern="1200" dirty="0" err="1" smtClean="0">
+              <a:t>В качестве основного</a:t>
+            </a:r>
+            <a:r>
+              <a:rPr lang="ru-RU" sz="1200" kern="1200" baseline="0" dirty="0" smtClean="0">
                 <a:solidFill>
                   <a:schemeClr val="tx1"/>
                 </a:solidFill>
@@ -1428,10 +1368,10 @@
                 <a:ea typeface="+mn-ea"/>
                 <a:cs typeface="+mn-cs"/>
               </a:rPr>
-              <a:t>вайрфрейм</a:t>
-            </a:r>
-            <a:r>
-              <a:rPr lang="ru-RU" sz="1200" kern="1200" dirty="0" smtClean="0">
+              <a:t> редактора кода был выбран </a:t>
+            </a:r>
+            <a:r>
+              <a:rPr lang="en-US" sz="1200" kern="1200" baseline="0" dirty="0" smtClean="0">
                 <a:solidFill>
                   <a:schemeClr val="tx1"/>
                 </a:solidFill>
@@ -1440,7 +1380,7 @@
                 <a:ea typeface="+mn-ea"/>
                 <a:cs typeface="+mn-cs"/>
               </a:rPr>
-              <a:t> главной страницы.</a:t>
+              <a:t>Visual studio code</a:t>
             </a:r>
             <a:r>
               <a:rPr lang="ru-RU" sz="1200" kern="1200" baseline="0" dirty="0" smtClean="0">
@@ -1452,10 +1392,10 @@
                 <a:ea typeface="+mn-ea"/>
                 <a:cs typeface="+mn-cs"/>
               </a:rPr>
-              <a:t> После </a:t>
-            </a:r>
-            <a:r>
-              <a:rPr lang="ru-RU" sz="1200" kern="1200" baseline="0" dirty="0" err="1" smtClean="0">
+              <a:t>, как более доступное и удобное ПО. Для создания макета был выбран бесплатный сервис </a:t>
+            </a:r>
+            <a:r>
+              <a:rPr lang="en-US" sz="1200" kern="1200" baseline="0" dirty="0" err="1" smtClean="0">
                 <a:solidFill>
                   <a:schemeClr val="tx1"/>
                 </a:solidFill>
@@ -1464,43 +1404,7 @@
                 <a:ea typeface="+mn-ea"/>
                 <a:cs typeface="+mn-cs"/>
               </a:rPr>
-              <a:t>вайрфрейма</a:t>
-            </a:r>
-            <a:r>
-              <a:rPr lang="ru-RU" sz="1200" kern="1200" baseline="0" dirty="0" smtClean="0">
-                <a:solidFill>
-                  <a:schemeClr val="tx1"/>
-                </a:solidFill>
-                <a:effectLst/>
-                <a:latin typeface="+mn-lt"/>
-                <a:ea typeface="+mn-ea"/>
-                <a:cs typeface="+mn-cs"/>
-              </a:rPr>
-              <a:t> был разработан дизайн макет. </a:t>
-            </a:r>
-            <a:r>
-              <a:rPr lang="ru-RU" sz="1200" kern="1200" dirty="0" smtClean="0">
-                <a:solidFill>
-                  <a:schemeClr val="tx1"/>
-                </a:solidFill>
-                <a:effectLst/>
-                <a:latin typeface="+mn-lt"/>
-                <a:ea typeface="+mn-ea"/>
-                <a:cs typeface="+mn-cs"/>
-              </a:rPr>
-              <a:t>Дизайн-макет – это визуальный образ страницы, отображающий расположение и характеристики всех элементов.</a:t>
-            </a:r>
-            <a:r>
-              <a:rPr lang="ru-RU" sz="1200" kern="1200" baseline="0" dirty="0" smtClean="0">
-                <a:solidFill>
-                  <a:schemeClr val="tx1"/>
-                </a:solidFill>
-                <a:effectLst/>
-                <a:latin typeface="+mn-lt"/>
-                <a:ea typeface="+mn-ea"/>
-                <a:cs typeface="+mn-cs"/>
-              </a:rPr>
-              <a:t> После </a:t>
+              <a:t>Figma</a:t>
             </a:r>
             <a:endParaRPr lang="ru-RU" sz="1200" kern="1200" dirty="0" smtClean="0">
               <a:solidFill>
@@ -1513,18 +1417,6 @@
             </a:endParaRPr>
           </a:p>
           <a:p>
-            <a:r>
-              <a:rPr lang="ru-RU" sz="1200" kern="1200" baseline="0" dirty="0" smtClean="0">
-                <a:solidFill>
-                  <a:schemeClr val="tx1"/>
-                </a:solidFill>
-                <a:effectLst/>
-                <a:latin typeface="+mn-lt"/>
-                <a:ea typeface="+mn-ea"/>
-                <a:cs typeface="+mn-cs"/>
-              </a:rPr>
-              <a:t> создания макета можно приступать </a:t>
-            </a:r>
             <a:endParaRPr lang="ru-RU" dirty="0"/>
           </a:p>
         </p:txBody>
@@ -1547,6 +1439,239 @@
             <a:fld id="{CB333C84-2CFA-4DD2-89FC-3019C6957BF5}" type="slidenum">
               <a:rPr lang="ru-RU" smtClean="0"/>
               <a:pPr/>
+              <a:t>6</a:t>
+            </a:fld>
+            <a:endParaRPr lang="ru-RU"/>
+          </a:p>
+        </p:txBody>
+      </p:sp>
+    </p:spTree>
+    <p:extLst>
+      <p:ext uri="{BB962C8B-B14F-4D97-AF65-F5344CB8AC3E}">
+        <p14:creationId xmlns:p14="http://schemas.microsoft.com/office/powerpoint/2010/main" val="2279484608"/>
+      </p:ext>
+    </p:extLst>
+  </p:cSld>
+  <p:clrMapOvr>
+    <a:masterClrMapping/>
+  </p:clrMapOvr>
+</p:notes>
+</file>
+
+<file path=ppt/notesSlides/notesSlide7.xml><?xml version="1.0" encoding="utf-8"?>
+<p:notes xmlns:a="http://schemas.openxmlformats.org/drawingml/2006/main" xmlns:r="http://schemas.openxmlformats.org/officeDocument/2006/relationships" xmlns:p="http://schemas.openxmlformats.org/presentationml/2006/main">
+  <p:cSld>
+    <p:spTree>
+      <p:nvGrpSpPr>
+        <p:cNvPr id="1" name=""/>
+        <p:cNvGrpSpPr/>
+        <p:nvPr/>
+      </p:nvGrpSpPr>
+      <p:grpSpPr>
+        <a:xfrm>
+          <a:off x="0" y="0"/>
+          <a:ext cx="0" cy="0"/>
+          <a:chOff x="0" y="0"/>
+          <a:chExt cx="0" cy="0"/>
+        </a:xfrm>
+      </p:grpSpPr>
+      <p:sp>
+        <p:nvSpPr>
+          <p:cNvPr id="2" name="Образ слайда 1"/>
+          <p:cNvSpPr>
+            <a:spLocks noGrp="1" noRot="1" noChangeAspect="1"/>
+          </p:cNvSpPr>
+          <p:nvPr>
+            <p:ph type="sldImg"/>
+          </p:nvPr>
+        </p:nvSpPr>
+        <p:spPr/>
+      </p:sp>
+      <p:sp>
+        <p:nvSpPr>
+          <p:cNvPr id="3" name="Заметки 2"/>
+          <p:cNvSpPr>
+            <a:spLocks noGrp="1"/>
+          </p:cNvSpPr>
+          <p:nvPr>
+            <p:ph type="body" idx="1"/>
+          </p:nvPr>
+        </p:nvSpPr>
+        <p:spPr/>
+        <p:txBody>
+          <a:bodyPr/>
+          <a:lstStyle/>
+          <a:p>
+            <a:pPr marL="0" marR="0" indent="0" algn="l" defTabSz="914400" rtl="0" eaLnBrk="1" fontAlgn="auto" latinLnBrk="0" hangingPunct="1">
+              <a:lnSpc>
+                <a:spcPct val="100000"/>
+              </a:lnSpc>
+              <a:spcBef>
+                <a:spcPts val="0"/>
+              </a:spcBef>
+              <a:spcAft>
+                <a:spcPts val="0"/>
+              </a:spcAft>
+              <a:buClrTx/>
+              <a:buSzTx/>
+              <a:buFontTx/>
+              <a:buNone/>
+              <a:tabLst/>
+              <a:defRPr/>
+            </a:pPr>
+            <a:r>
+              <a:rPr lang="ru-RU" sz="1200" kern="1200" dirty="0" err="1" smtClean="0">
+                <a:solidFill>
+                  <a:schemeClr val="tx1"/>
+                </a:solidFill>
+                <a:effectLst/>
+                <a:latin typeface="+mn-lt"/>
+                <a:ea typeface="+mn-ea"/>
+                <a:cs typeface="+mn-cs"/>
+              </a:rPr>
+              <a:t>Вайрфрейм</a:t>
+            </a:r>
+            <a:r>
+              <a:rPr lang="ru-RU" sz="1200" kern="1200" dirty="0" smtClean="0">
+                <a:solidFill>
+                  <a:schemeClr val="tx1"/>
+                </a:solidFill>
+                <a:effectLst/>
+                <a:latin typeface="+mn-lt"/>
+                <a:ea typeface="+mn-ea"/>
+                <a:cs typeface="+mn-cs"/>
+              </a:rPr>
+              <a:t> – это образ дизайна низкой точности. Он должен четко показывать: основою группу контента, на картинке справа вы видите </a:t>
+            </a:r>
+            <a:r>
+              <a:rPr lang="ru-RU" sz="1200" kern="1200" dirty="0" err="1" smtClean="0">
+                <a:solidFill>
+                  <a:schemeClr val="tx1"/>
+                </a:solidFill>
+                <a:effectLst/>
+                <a:latin typeface="+mn-lt"/>
+                <a:ea typeface="+mn-ea"/>
+                <a:cs typeface="+mn-cs"/>
+              </a:rPr>
+              <a:t>вайрфрейм</a:t>
+            </a:r>
+            <a:r>
+              <a:rPr lang="ru-RU" sz="1200" kern="1200" dirty="0" smtClean="0">
+                <a:solidFill>
+                  <a:schemeClr val="tx1"/>
+                </a:solidFill>
+                <a:effectLst/>
+                <a:latin typeface="+mn-lt"/>
+                <a:ea typeface="+mn-ea"/>
+                <a:cs typeface="+mn-cs"/>
+              </a:rPr>
+              <a:t> главной страницы.</a:t>
+            </a:r>
+            <a:r>
+              <a:rPr lang="ru-RU" sz="1200" kern="1200" baseline="0" dirty="0" smtClean="0">
+                <a:solidFill>
+                  <a:schemeClr val="tx1"/>
+                </a:solidFill>
+                <a:effectLst/>
+                <a:latin typeface="+mn-lt"/>
+                <a:ea typeface="+mn-ea"/>
+                <a:cs typeface="+mn-cs"/>
+              </a:rPr>
+              <a:t> После </a:t>
+            </a:r>
+            <a:r>
+              <a:rPr lang="ru-RU" sz="1200" kern="1200" baseline="0" dirty="0" err="1" smtClean="0">
+                <a:solidFill>
+                  <a:schemeClr val="tx1"/>
+                </a:solidFill>
+                <a:effectLst/>
+                <a:latin typeface="+mn-lt"/>
+                <a:ea typeface="+mn-ea"/>
+                <a:cs typeface="+mn-cs"/>
+              </a:rPr>
+              <a:t>вайрфрейма</a:t>
+            </a:r>
+            <a:r>
+              <a:rPr lang="ru-RU" sz="1200" kern="1200" baseline="0" dirty="0" smtClean="0">
+                <a:solidFill>
+                  <a:schemeClr val="tx1"/>
+                </a:solidFill>
+                <a:effectLst/>
+                <a:latin typeface="+mn-lt"/>
+                <a:ea typeface="+mn-ea"/>
+                <a:cs typeface="+mn-cs"/>
+              </a:rPr>
+              <a:t> был разработан дизайн макет. </a:t>
+            </a:r>
+            <a:r>
+              <a:rPr lang="ru-RU" sz="1200" kern="1200" dirty="0" smtClean="0">
+                <a:solidFill>
+                  <a:schemeClr val="tx1"/>
+                </a:solidFill>
+                <a:effectLst/>
+                <a:latin typeface="+mn-lt"/>
+                <a:ea typeface="+mn-ea"/>
+                <a:cs typeface="+mn-cs"/>
+              </a:rPr>
+              <a:t>Дизайн-макет – это визуальный образ страницы, отображающий расположение и характеристики всех элементов.</a:t>
+            </a:r>
+            <a:r>
+              <a:rPr lang="ru-RU" sz="1200" kern="1200" baseline="0" dirty="0" smtClean="0">
+                <a:solidFill>
+                  <a:schemeClr val="tx1"/>
+                </a:solidFill>
+                <a:effectLst/>
+                <a:latin typeface="+mn-lt"/>
+                <a:ea typeface="+mn-ea"/>
+                <a:cs typeface="+mn-cs"/>
+              </a:rPr>
+              <a:t> После </a:t>
+            </a:r>
+            <a:endParaRPr lang="ru-RU" sz="1200" kern="1200" dirty="0" smtClean="0">
+              <a:solidFill>
+                <a:schemeClr val="tx1"/>
+              </a:solidFill>
+              <a:effectLst/>
+              <a:latin typeface="+mn-lt"/>
+              <a:ea typeface="+mn-ea"/>
+              <a:cs typeface="+mn-cs"/>
+            </a:endParaRPr>
+          </a:p>
+          <a:p>
+            <a:r>
+              <a:rPr lang="ru-RU" sz="1200" kern="1200" baseline="0" dirty="0" smtClean="0">
+                <a:solidFill>
+                  <a:schemeClr val="tx1"/>
+                </a:solidFill>
+                <a:effectLst/>
+                <a:latin typeface="+mn-lt"/>
+                <a:ea typeface="+mn-ea"/>
+                <a:cs typeface="+mn-cs"/>
+              </a:rPr>
+              <a:t> создания макета можно приступать к разработке сайта.</a:t>
+            </a:r>
+            <a:endParaRPr lang="ru-RU" dirty="0"/>
+          </a:p>
+        </p:txBody>
+      </p:sp>
+      <p:sp>
+        <p:nvSpPr>
+          <p:cNvPr id="4" name="Номер слайда 3"/>
+          <p:cNvSpPr>
+            <a:spLocks noGrp="1"/>
+          </p:cNvSpPr>
+          <p:nvPr>
+            <p:ph type="sldNum" sz="quarter" idx="10"/>
+          </p:nvPr>
+        </p:nvSpPr>
+        <p:spPr/>
+        <p:txBody>
+          <a:bodyPr/>
+          <a:lstStyle/>
+          <a:p>
+            <a:fld id="{CB333C84-2CFA-4DD2-89FC-3019C6957BF5}" type="slidenum">
+              <a:rPr lang="ru-RU" smtClean="0"/>
+              <a:pPr/>
               <a:t>7</a:t>
             </a:fld>
             <a:endParaRPr lang="ru-RU"/>
@@ -1557,6 +1682,143 @@
     <p:extLst>
       <p:ext uri="{BB962C8B-B14F-4D97-AF65-F5344CB8AC3E}">
         <p14:creationId xmlns:p14="http://schemas.microsoft.com/office/powerpoint/2010/main" val="782626485"/>
+      </p:ext>
+    </p:extLst>
+  </p:cSld>
+  <p:clrMapOvr>
+    <a:masterClrMapping/>
+  </p:clrMapOvr>
+</p:notes>
+</file>
+
+<file path=ppt/notesSlides/notesSlide8.xml><?xml version="1.0" encoding="utf-8"?>
+<p:notes xmlns:a="http://schemas.openxmlformats.org/drawingml/2006/main" xmlns:r="http://schemas.openxmlformats.org/officeDocument/2006/relationships" xmlns:p="http://schemas.openxmlformats.org/presentationml/2006/main">
+  <p:cSld>
+    <p:spTree>
+      <p:nvGrpSpPr>
+        <p:cNvPr id="1" name=""/>
+        <p:cNvGrpSpPr/>
+        <p:nvPr/>
+      </p:nvGrpSpPr>
+      <p:grpSpPr>
+        <a:xfrm>
+          <a:off x="0" y="0"/>
+          <a:ext cx="0" cy="0"/>
+          <a:chOff x="0" y="0"/>
+          <a:chExt cx="0" cy="0"/>
+        </a:xfrm>
+      </p:grpSpPr>
+      <p:sp>
+        <p:nvSpPr>
+          <p:cNvPr id="2" name="Образ слайда 1"/>
+          <p:cNvSpPr>
+            <a:spLocks noGrp="1" noRot="1" noChangeAspect="1"/>
+          </p:cNvSpPr>
+          <p:nvPr>
+            <p:ph type="sldImg"/>
+          </p:nvPr>
+        </p:nvSpPr>
+        <p:spPr/>
+      </p:sp>
+      <p:sp>
+        <p:nvSpPr>
+          <p:cNvPr id="3" name="Заметки 2"/>
+          <p:cNvSpPr>
+            <a:spLocks noGrp="1"/>
+          </p:cNvSpPr>
+          <p:nvPr>
+            <p:ph type="body" idx="1"/>
+          </p:nvPr>
+        </p:nvSpPr>
+        <p:spPr/>
+        <p:txBody>
+          <a:bodyPr/>
+          <a:lstStyle/>
+          <a:p>
+            <a:r>
+              <a:rPr lang="ru-RU" sz="1200" kern="1200" dirty="0" smtClean="0">
+                <a:solidFill>
+                  <a:schemeClr val="tx1"/>
+                </a:solidFill>
+                <a:effectLst/>
+                <a:latin typeface="+mn-lt"/>
+                <a:ea typeface="+mn-ea"/>
+                <a:cs typeface="+mn-cs"/>
+              </a:rPr>
+              <a:t>Данная веб-страница был разработана для того, чтобы рассказать о процессе обеспечения безопасности. Сайт содержит в себе некоторое количество уровней, которые расскажут о современных уязвимостях.</a:t>
+            </a:r>
+          </a:p>
+          <a:p>
+            <a:r>
+              <a:rPr lang="ru-RU" sz="1200" kern="1200" dirty="0" smtClean="0">
+                <a:solidFill>
+                  <a:schemeClr val="tx1"/>
+                </a:solidFill>
+                <a:effectLst/>
+                <a:latin typeface="+mn-lt"/>
+                <a:ea typeface="+mn-ea"/>
+                <a:cs typeface="+mn-cs"/>
+              </a:rPr>
+              <a:t>Основная направленность курсового проекта состоит в том, чтобы создать платформу веб-</a:t>
+            </a:r>
+            <a:r>
+              <a:rPr lang="ru-RU" sz="1200" kern="1200" dirty="0" err="1" smtClean="0">
+                <a:solidFill>
+                  <a:schemeClr val="tx1"/>
+                </a:solidFill>
+                <a:effectLst/>
+                <a:latin typeface="+mn-lt"/>
+                <a:ea typeface="+mn-ea"/>
+                <a:cs typeface="+mn-cs"/>
+              </a:rPr>
+              <a:t>квеста</a:t>
+            </a:r>
+            <a:r>
+              <a:rPr lang="ru-RU" sz="1200" kern="1200" dirty="0" smtClean="0">
+                <a:solidFill>
+                  <a:schemeClr val="tx1"/>
+                </a:solidFill>
+                <a:effectLst/>
+                <a:latin typeface="+mn-lt"/>
+                <a:ea typeface="+mn-ea"/>
+                <a:cs typeface="+mn-cs"/>
+              </a:rPr>
+              <a:t>, которая в дальнейшем со временем будет добавлять новые уровни, рассказывающие о новых уязвимостях. </a:t>
+            </a:r>
+          </a:p>
+          <a:p>
+            <a:endParaRPr lang="ru-RU" dirty="0"/>
+          </a:p>
+        </p:txBody>
+      </p:sp>
+      <p:sp>
+        <p:nvSpPr>
+          <p:cNvPr id="4" name="Номер слайда 3"/>
+          <p:cNvSpPr>
+            <a:spLocks noGrp="1"/>
+          </p:cNvSpPr>
+          <p:nvPr>
+            <p:ph type="sldNum" sz="quarter" idx="10"/>
+          </p:nvPr>
+        </p:nvSpPr>
+        <p:spPr/>
+        <p:txBody>
+          <a:bodyPr/>
+          <a:lstStyle/>
+          <a:p>
+            <a:fld id="{CB333C84-2CFA-4DD2-89FC-3019C6957BF5}" type="slidenum">
+              <a:rPr lang="ru-RU" smtClean="0"/>
+              <a:pPr/>
+              <a:t>8</a:t>
+            </a:fld>
+            <a:endParaRPr lang="ru-RU"/>
+          </a:p>
+        </p:txBody>
+      </p:sp>
+    </p:spTree>
+    <p:extLst>
+      <p:ext uri="{BB962C8B-B14F-4D97-AF65-F5344CB8AC3E}">
+        <p14:creationId xmlns:p14="http://schemas.microsoft.com/office/powerpoint/2010/main" val="1638600090"/>
       </p:ext>
     </p:extLst>
   </p:cSld>
@@ -4761,40 +5023,10 @@
                   <a:schemeClr val="tx1"/>
                 </a:solidFill>
               </a:rPr>
-              <a:t>Студент группы </a:t>
-            </a:r>
-            <a:r>
-              <a:rPr lang="ru-RU" b="1" dirty="0" smtClean="0">
-                <a:solidFill>
-                  <a:schemeClr val="tx1"/>
-                </a:solidFill>
-              </a:rPr>
-              <a:t>Ир</a:t>
-            </a:r>
-            <a:r>
-              <a:rPr lang="ru-RU" b="1" dirty="0" smtClean="0">
-                <a:solidFill>
-                  <a:schemeClr val="tx1"/>
-                </a:solidFill>
-              </a:rPr>
-              <a:t>3-19 Платонов </a:t>
-            </a:r>
-            <a:r>
-              <a:rPr lang="ru-RU" b="1" dirty="0" smtClean="0">
-                <a:solidFill>
-                  <a:schemeClr val="tx1"/>
-                </a:solidFill>
-              </a:rPr>
-              <a:t>А</a:t>
-            </a:r>
-            <a:r>
-              <a:rPr lang="ru-RU" b="1" dirty="0" smtClean="0">
-                <a:solidFill>
-                  <a:schemeClr val="tx1"/>
-                </a:solidFill>
-              </a:rPr>
-              <a:t>.С.</a:t>
-            </a:r>
+              <a:t>Студент группы Ир3-19 Платонов А.С.</a:t>
+            </a:r>
+          </a:p>
+          <a:p>
             <a:endParaRPr lang="ru-RU" b="1" dirty="0" smtClean="0">
               <a:solidFill>
                 <a:schemeClr val="tx1"/>
@@ -4802,28 +5034,13 @@
             </a:endParaRPr>
           </a:p>
           <a:p>
-            <a:endParaRPr lang="ru-RU" b="1" dirty="0" smtClean="0">
-              <a:solidFill>
-                <a:schemeClr val="tx1"/>
-              </a:solidFill>
-            </a:endParaRPr>
-          </a:p>
-          <a:p>
             <a:r>
               <a:rPr lang="ru-RU" b="1" dirty="0" smtClean="0">
                 <a:solidFill>
                   <a:schemeClr val="tx1"/>
                 </a:solidFill>
               </a:rPr>
-              <a:t>Руководитель </a:t>
-            </a:r>
-            <a:r>
-              <a:rPr lang="ru-RU" b="1" dirty="0" smtClean="0">
-                <a:solidFill>
-                  <a:schemeClr val="tx1"/>
-                </a:solidFill>
-              </a:rPr>
-              <a:t>Федотова Н.И.</a:t>
+              <a:t>Руководитель Федотова Н.И.</a:t>
             </a:r>
             <a:endParaRPr lang="ru-RU" b="1" dirty="0">
               <a:solidFill>
@@ -4842,7 +5059,7 @@
           <p:nvPr/>
         </p:nvPicPr>
         <p:blipFill>
-          <a:blip r:embed="rId2" cstate="print">
+          <a:blip r:embed="rId3" cstate="print">
             <a:extLst>
               <a:ext uri="{28A0092B-C50C-407E-A947-70E740481C1C}">
                 <a14:useLocalDpi xmlns:a14="http://schemas.microsoft.com/office/drawing/2010/main" val="0"/>
@@ -4938,7 +5155,7 @@
             <p:nvPr/>
           </p:nvPicPr>
           <p:blipFill>
-            <a:blip r:embed="rId3" cstate="print">
+            <a:blip r:embed="rId4" cstate="print">
               <a:extLst>
                 <a:ext uri="{28A0092B-C50C-407E-A947-70E740481C1C}">
                   <a14:useLocalDpi xmlns:a14="http://schemas.microsoft.com/office/drawing/2010/main" val="0"/>
@@ -4991,67 +5208,27 @@
                   </a:schemeClr>
                 </a:solidFill>
               </a:rPr>
-              <a:t>Проектирование </a:t>
-            </a:r>
-            <a:r>
-              <a:rPr lang="ru-RU" sz="3200" b="1" dirty="0" smtClean="0">
+              <a:t>Проектирование и разработка веб-</a:t>
+            </a:r>
+            <a:r>
+              <a:rPr lang="ru-RU" sz="3200" b="1" dirty="0" err="1" smtClean="0">
                 <a:solidFill>
                   <a:schemeClr val="accent3">
                     <a:lumMod val="75000"/>
                   </a:schemeClr>
                 </a:solidFill>
               </a:rPr>
-              <a:t>и разработка веб-</a:t>
-            </a:r>
-            <a:r>
-              <a:rPr lang="ru-RU" sz="3200" b="1" dirty="0" err="1" smtClean="0">
+              <a:t>квеста</a:t>
+            </a:r>
+            <a:r>
+              <a:rPr lang="ru-RU" sz="3200" b="1" dirty="0" smtClean="0">
                 <a:solidFill>
                   <a:schemeClr val="accent3">
                     <a:lumMod val="75000"/>
                   </a:schemeClr>
                 </a:solidFill>
               </a:rPr>
-              <a:t>квеста</a:t>
-            </a:r>
-            <a:r>
-              <a:rPr lang="ru-RU" sz="3200" b="1" dirty="0" smtClean="0">
-                <a:solidFill>
-                  <a:schemeClr val="accent3">
-                    <a:lumMod val="75000"/>
-                  </a:schemeClr>
-                </a:solidFill>
-              </a:rPr>
-              <a:t> </a:t>
-            </a:r>
-            <a:r>
-              <a:rPr lang="en-US" sz="3200" b="1" dirty="0" smtClean="0">
-                <a:solidFill>
-                  <a:schemeClr val="accent3">
-                    <a:lumMod val="75000"/>
-                  </a:schemeClr>
-                </a:solidFill>
-              </a:rPr>
-              <a:t>“</a:t>
-            </a:r>
-            <a:r>
-              <a:rPr lang="ru-RU" sz="3200" b="1" dirty="0" smtClean="0">
-                <a:solidFill>
-                  <a:schemeClr val="accent3">
-                    <a:lumMod val="75000"/>
-                  </a:schemeClr>
-                </a:solidFill>
-              </a:rPr>
-              <a:t>уязвимости веб приложений</a:t>
-            </a:r>
-            <a:r>
-              <a:rPr lang="en-US" sz="3200" b="1" dirty="0" smtClean="0">
-                <a:solidFill>
-                  <a:schemeClr val="accent3">
-                    <a:lumMod val="75000"/>
-                  </a:schemeClr>
-                </a:solidFill>
-              </a:rPr>
-              <a:t>”</a:t>
+              <a:t> уязвимости веб приложений</a:t>
             </a:r>
             <a:endParaRPr lang="ru-RU" sz="3000" b="1" dirty="0" smtClean="0">
               <a:solidFill>
@@ -5525,34 +5702,13 @@
           <a:p>
             <a:pPr algn="ctr"/>
             <a:r>
-              <a:rPr lang="en-US" b="1" dirty="0" smtClean="0">
+              <a:rPr lang="ru-RU" b="1" dirty="0" smtClean="0">
                 <a:solidFill>
                   <a:schemeClr val="bg1"/>
                 </a:solidFill>
               </a:rPr>
-              <a:t>“</a:t>
-            </a:r>
-            <a:r>
-              <a:rPr lang="ru-RU" b="1" dirty="0" smtClean="0">
-                <a:solidFill>
-                  <a:schemeClr val="bg1"/>
-                </a:solidFill>
-              </a:rPr>
               <a:t>Уязвимости веб приложений</a:t>
             </a:r>
-            <a:r>
-              <a:rPr lang="en-US" b="1" dirty="0" smtClean="0">
-                <a:solidFill>
-                  <a:schemeClr val="bg1"/>
-                </a:solidFill>
-              </a:rPr>
-              <a:t>”</a:t>
-            </a:r>
-            <a:endParaRPr lang="ru-RU" b="1" dirty="0" smtClean="0">
-              <a:solidFill>
-                <a:schemeClr val="bg1"/>
-              </a:solidFill>
-            </a:endParaRPr>
           </a:p>
         </p:txBody>
       </p:sp>
@@ -6056,12 +6212,12 @@
           <a:p>
             <a:pPr algn="ctr"/>
             <a:r>
-              <a:rPr lang="en-US" b="1" dirty="0">
+              <a:rPr lang="ru-RU" b="1" dirty="0" smtClean="0">
                 <a:solidFill>
                   <a:schemeClr val="bg1"/>
                 </a:solidFill>
               </a:rPr>
-              <a:t>“</a:t>
+              <a:t>Уязвимости </a:t>
             </a:r>
             <a:r>
               <a:rPr lang="ru-RU" b="1" dirty="0">
@@ -6069,15 +6225,15 @@
                   <a:schemeClr val="bg1"/>
                 </a:solidFill>
               </a:rPr>
-              <a:t>Уязвимости веб приложений</a:t>
-            </a:r>
-            <a:r>
-              <a:rPr lang="en-US" b="1" dirty="0">
+              <a:t>веб </a:t>
+            </a:r>
+            <a:r>
+              <a:rPr lang="ru-RU" b="1" dirty="0" smtClean="0">
                 <a:solidFill>
                   <a:schemeClr val="bg1"/>
                 </a:solidFill>
               </a:rPr>
-              <a:t>”</a:t>
+              <a:t>приложений</a:t>
             </a:r>
             <a:endParaRPr lang="ru-RU" b="1" dirty="0">
               <a:solidFill>
@@ -6100,7 +6256,7 @@
         <p:spPr>
           <a:xfrm>
             <a:off x="475878" y="1340768"/>
-            <a:ext cx="3376042" cy="4752528"/>
+            <a:ext cx="3520058" cy="4752528"/>
           </a:xfrm>
         </p:spPr>
         <p:txBody>
@@ -6119,19 +6275,7 @@
                 </a:solidFill>
                 <a:latin typeface="Calibri" panose="020F0502020204030204" pitchFamily="34" charset="0"/>
               </a:rPr>
-              <a:t>Цель </a:t>
-            </a:r>
-            <a:r>
-              <a:rPr lang="ru-RU" sz="2400" b="1" dirty="0" smtClean="0">
-                <a:solidFill>
-                  <a:schemeClr val="tx1">
-                    <a:lumMod val="65000"/>
-                    <a:lumOff val="35000"/>
-                  </a:schemeClr>
-                </a:solidFill>
-                <a:latin typeface="Calibri" panose="020F0502020204030204" pitchFamily="34" charset="0"/>
-              </a:rPr>
-              <a:t>курсового проекта – создать сайт, для пользователей желающих ознакомится с уязвимостями веб-сайтов и приобрести навыки в тестировании собственных сайтов</a:t>
+              <a:t>Цель курсового проекта – создать сайт, для пользователей желающих ознакомится с уязвимостями веб-сайтов и приобрести навыки в тестировании собственных сайтов</a:t>
             </a:r>
             <a:endParaRPr lang="ru-RU" sz="2400" dirty="0"/>
           </a:p>
@@ -6147,8 +6291,8 @@
         </p:nvSpPr>
         <p:spPr>
           <a:xfrm>
-            <a:off x="3995936" y="1340768"/>
-            <a:ext cx="4752528" cy="4896544"/>
+            <a:off x="4139952" y="1340768"/>
+            <a:ext cx="4608512" cy="4896544"/>
           </a:xfrm>
           <a:prstGeom prst="rect">
             <a:avLst/>
@@ -6176,7 +6320,7 @@
               <a:defRPr/>
             </a:pPr>
             <a:r>
-              <a:rPr kumimoji="0" lang="ru-RU" sz="2400" i="0" u="none" strike="noStrike" kern="1200" cap="none" spc="0" normalizeH="0" baseline="0" noProof="0" dirty="0" smtClean="0">
+              <a:rPr kumimoji="0" lang="ru-RU" sz="2400" b="1" i="0" u="none" strike="noStrike" kern="1200" cap="none" spc="0" normalizeH="0" baseline="0" noProof="0" dirty="0" smtClean="0">
                 <a:ln>
                   <a:noFill/>
                 </a:ln>
@@ -6196,7 +6340,7 @@
               <a:t>Задачи</a:t>
             </a:r>
             <a:r>
-              <a:rPr kumimoji="0" lang="ru-RU" sz="2400" i="0" u="none" strike="noStrike" kern="1200" cap="none" spc="0" normalizeH="0" noProof="0" dirty="0" smtClean="0">
+              <a:rPr kumimoji="0" lang="ru-RU" sz="2400" b="1" i="0" u="none" strike="noStrike" kern="1200" cap="none" spc="0" normalizeH="0" noProof="0" dirty="0" smtClean="0">
                 <a:ln>
                   <a:noFill/>
                 </a:ln>
@@ -6216,7 +6360,7 @@
               <a:t> </a:t>
             </a:r>
             <a:r>
-              <a:rPr lang="ru-RU" sz="2400" dirty="0">
+              <a:rPr lang="ru-RU" sz="2400" b="1" dirty="0">
                 <a:solidFill>
                   <a:schemeClr val="tx1">
                     <a:lumMod val="50000"/>
@@ -6230,7 +6374,7 @@
               <a:t>к</a:t>
             </a:r>
             <a:r>
-              <a:rPr kumimoji="0" lang="ru-RU" sz="2400" i="0" u="none" strike="noStrike" kern="1200" cap="none" spc="0" normalizeH="0" noProof="0" dirty="0" err="1" smtClean="0">
+              <a:rPr kumimoji="0" lang="ru-RU" sz="2400" b="1" i="0" u="none" strike="noStrike" kern="1200" cap="none" spc="0" normalizeH="0" noProof="0" dirty="0" err="1" smtClean="0">
                 <a:ln>
                   <a:noFill/>
                 </a:ln>
@@ -6250,7 +6394,7 @@
               <a:t>урсового</a:t>
             </a:r>
             <a:r>
-              <a:rPr kumimoji="0" lang="ru-RU" sz="2400" i="0" u="none" strike="noStrike" kern="1200" cap="none" spc="0" normalizeH="0" noProof="0" dirty="0" smtClean="0">
+              <a:rPr kumimoji="0" lang="ru-RU" sz="2400" b="1" i="0" u="none" strike="noStrike" kern="1200" cap="none" spc="0" normalizeH="0" noProof="0" dirty="0" smtClean="0">
                 <a:ln>
                   <a:noFill/>
                 </a:ln>
@@ -6270,7 +6414,7 @@
               <a:t> проекта</a:t>
             </a:r>
             <a:r>
-              <a:rPr kumimoji="0" lang="en-US" sz="2400" i="0" u="none" strike="noStrike" kern="1200" cap="none" spc="0" normalizeH="0" noProof="0" dirty="0" smtClean="0">
+              <a:rPr kumimoji="0" lang="en-US" sz="2400" b="1" i="0" u="none" strike="noStrike" kern="1200" cap="none" spc="0" normalizeH="0" noProof="0" dirty="0" smtClean="0">
                 <a:ln>
                   <a:noFill/>
                 </a:ln>
@@ -6289,7 +6433,7 @@
               </a:rPr>
               <a:t>:</a:t>
             </a:r>
-            <a:endParaRPr kumimoji="0" lang="ru-RU" sz="2400" i="0" u="none" strike="noStrike" kern="1200" cap="none" spc="0" normalizeH="0" noProof="0" dirty="0" smtClean="0">
+            <a:endParaRPr kumimoji="0" lang="ru-RU" sz="2400" b="1" i="0" u="none" strike="noStrike" kern="1200" cap="none" spc="0" normalizeH="0" noProof="0" dirty="0" smtClean="0">
               <a:ln>
                 <a:noFill/>
               </a:ln>
@@ -6326,60 +6470,102 @@
               <a:defRPr/>
             </a:pPr>
             <a:r>
-              <a:rPr lang="ru-RU" sz="2400" baseline="0" dirty="0" smtClean="0">
+              <a:rPr lang="en-US" sz="2400" b="1" baseline="0" dirty="0" smtClean="0">
                 <a:solidFill>
                   <a:schemeClr val="tx1">
                     <a:lumMod val="50000"/>
                     <a:lumOff val="50000"/>
                   </a:schemeClr>
                 </a:solidFill>
-                <a:latin typeface="Calibri" panose="020F0502020204030204" pitchFamily="34" charset="0"/>
+                <a:latin typeface="+mj-lt"/>
                 <a:ea typeface="+mj-ea"/>
                 <a:cs typeface="+mj-cs"/>
               </a:rPr>
-              <a:t>Ознакомит</a:t>
-            </a:r>
-            <a:r>
-              <a:rPr lang="ru-RU" sz="2400" dirty="0" smtClean="0">
+              <a:t> </a:t>
+            </a:r>
+            <a:r>
+              <a:rPr lang="ru-RU" sz="2400" b="1" baseline="0" dirty="0" smtClean="0">
                 <a:solidFill>
                   <a:schemeClr val="tx1">
                     <a:lumMod val="50000"/>
                     <a:lumOff val="50000"/>
                   </a:schemeClr>
                 </a:solidFill>
-                <a:latin typeface="Calibri" panose="020F0502020204030204" pitchFamily="34" charset="0"/>
+                <a:latin typeface="+mj-lt"/>
                 <a:ea typeface="+mj-ea"/>
                 <a:cs typeface="+mj-cs"/>
               </a:rPr>
-              <a:t>ь</a:t>
-            </a:r>
-            <a:r>
-              <a:rPr lang="ru-RU" sz="2400" baseline="0" dirty="0" smtClean="0">
+              <a:t>Ознакомит</a:t>
+            </a:r>
+            <a:r>
+              <a:rPr lang="ru-RU" sz="2400" b="1" dirty="0" smtClean="0">
                 <a:solidFill>
                   <a:schemeClr val="tx1">
                     <a:lumMod val="50000"/>
                     <a:lumOff val="50000"/>
                   </a:schemeClr>
                 </a:solidFill>
-                <a:latin typeface="Calibri" panose="020F0502020204030204" pitchFamily="34" charset="0"/>
+                <a:latin typeface="+mj-lt"/>
                 <a:ea typeface="+mj-ea"/>
                 <a:cs typeface="+mj-cs"/>
               </a:rPr>
-              <a:t>ся с основными правилами</a:t>
-            </a:r>
-            <a:r>
-              <a:rPr lang="ru-RU" sz="2400" dirty="0" smtClean="0">
+              <a:t>ь</a:t>
+            </a:r>
+            <a:r>
+              <a:rPr lang="ru-RU" sz="2400" b="1" baseline="0" dirty="0" smtClean="0">
                 <a:solidFill>
                   <a:schemeClr val="tx1">
                     <a:lumMod val="50000"/>
                     <a:lumOff val="50000"/>
                   </a:schemeClr>
                 </a:solidFill>
-                <a:latin typeface="Calibri" panose="020F0502020204030204" pitchFamily="34" charset="0"/>
+                <a:latin typeface="+mj-lt"/>
                 <a:ea typeface="+mj-ea"/>
                 <a:cs typeface="+mj-cs"/>
               </a:rPr>
-              <a:t> и рекомендациями веб-разработки</a:t>
+              <a:t>ся </a:t>
+            </a:r>
+            <a:r>
+              <a:rPr lang="ru-RU" sz="2400" b="1" baseline="0" dirty="0" smtClean="0">
+                <a:solidFill>
+                  <a:schemeClr val="tx1">
+                    <a:lumMod val="50000"/>
+                    <a:lumOff val="50000"/>
+                  </a:schemeClr>
+                </a:solidFill>
+                <a:latin typeface="+mj-lt"/>
+                <a:ea typeface="+mj-ea"/>
+                <a:cs typeface="+mj-cs"/>
+              </a:rPr>
+              <a:t>с основными </a:t>
+            </a:r>
+            <a:r>
+              <a:rPr lang="ru-RU" sz="2400" b="1" dirty="0" smtClean="0">
+                <a:solidFill>
+                  <a:schemeClr val="tx1">
+                    <a:lumMod val="50000"/>
+                    <a:lumOff val="50000"/>
+                  </a:schemeClr>
+                </a:solidFill>
+                <a:latin typeface="+mj-lt"/>
+                <a:ea typeface="+mj-ea"/>
+                <a:cs typeface="+mj-cs"/>
+              </a:rPr>
+              <a:t>рекомендациями </a:t>
+            </a:r>
+            <a:r>
+              <a:rPr lang="ru-RU" sz="2400" b="1" dirty="0" smtClean="0">
+                <a:solidFill>
+                  <a:schemeClr val="tx1">
+                    <a:lumMod val="50000"/>
+                    <a:lumOff val="50000"/>
+                  </a:schemeClr>
+                </a:solidFill>
+                <a:latin typeface="+mj-lt"/>
+                <a:ea typeface="+mj-ea"/>
+                <a:cs typeface="+mj-cs"/>
+              </a:rPr>
+              <a:t>веб-разработки</a:t>
             </a:r>
           </a:p>
           <a:p>
@@ -6401,7 +6587,7 @@
               <a:defRPr/>
             </a:pPr>
             <a:r>
-              <a:rPr kumimoji="0" lang="ru-RU" sz="2400" i="0" u="none" strike="noStrike" kern="1200" cap="none" spc="0" normalizeH="0" baseline="0" noProof="0" dirty="0" smtClean="0">
+              <a:rPr kumimoji="0" lang="en-US" sz="2400" b="1" i="0" u="none" strike="noStrike" kern="1200" cap="none" spc="0" normalizeH="0" baseline="0" noProof="0" dirty="0" smtClean="0">
                 <a:ln>
                   <a:noFill/>
                 </a:ln>
@@ -6418,7 +6604,47 @@
                 <a:ea typeface="+mj-ea"/>
                 <a:cs typeface="+mj-cs"/>
               </a:rPr>
-              <a:t>Выявить методы организации атак на веб-сайты</a:t>
+              <a:t> </a:t>
+            </a:r>
+            <a:r>
+              <a:rPr kumimoji="0" lang="ru-RU" sz="2400" b="1" i="0" u="none" strike="noStrike" kern="1200" cap="none" spc="0" normalizeH="0" baseline="0" noProof="0" dirty="0" smtClean="0">
+                <a:ln>
+                  <a:noFill/>
+                </a:ln>
+                <a:solidFill>
+                  <a:schemeClr val="tx1">
+                    <a:lumMod val="50000"/>
+                    <a:lumOff val="50000"/>
+                  </a:schemeClr>
+                </a:solidFill>
+                <a:effectLst/>
+                <a:uLnTx/>
+                <a:uFillTx/>
+                <a:latin typeface="+mj-lt"/>
+                <a:ea typeface="+mj-ea"/>
+                <a:cs typeface="+mj-cs"/>
+              </a:rPr>
+              <a:t>Выявить </a:t>
+            </a:r>
+            <a:r>
+              <a:rPr kumimoji="0" lang="ru-RU" sz="2400" b="1" i="0" u="none" strike="noStrike" kern="1200" cap="none" spc="0" normalizeH="0" baseline="0" noProof="0" dirty="0" smtClean="0">
+                <a:ln>
+                  <a:noFill/>
+                </a:ln>
+                <a:solidFill>
+                  <a:schemeClr val="tx1">
+                    <a:lumMod val="50000"/>
+                    <a:lumOff val="50000"/>
+                  </a:schemeClr>
+                </a:solidFill>
+                <a:effectLst/>
+                <a:uLnTx/>
+                <a:uFillTx/>
+                <a:latin typeface="+mj-lt"/>
+                <a:ea typeface="+mj-ea"/>
+                <a:cs typeface="+mj-cs"/>
+              </a:rPr>
+              <a:t>методы организации атак на веб-сайты</a:t>
             </a:r>
           </a:p>
           <a:p>
@@ -6440,7 +6666,7 @@
               <a:defRPr/>
             </a:pPr>
             <a:r>
-              <a:rPr lang="ru-RU" sz="2400" noProof="0" dirty="0" smtClean="0">
+              <a:rPr lang="en-US" sz="2400" b="1" noProof="0" dirty="0" smtClean="0">
                 <a:solidFill>
                   <a:schemeClr val="tx1">
                     <a:lumMod val="50000"/>
@@ -6451,10 +6677,10 @@
                 <a:ea typeface="+mj-ea"/>
                 <a:cs typeface="+mj-cs"/>
               </a:rPr>
-              <a:t>Выбрать стратегию разработки и создания веб-</a:t>
-            </a:r>
-            <a:r>
-              <a:rPr lang="ru-RU" sz="2400" noProof="0" dirty="0" err="1" smtClean="0">
+              <a:t> </a:t>
+            </a:r>
+            <a:r>
+              <a:rPr lang="ru-RU" sz="2400" b="1" noProof="0" dirty="0" smtClean="0">
                 <a:solidFill>
                   <a:schemeClr val="tx1">
                     <a:lumMod val="50000"/>
@@ -6465,9 +6691,37 @@
                 <a:ea typeface="+mj-ea"/>
                 <a:cs typeface="+mj-cs"/>
               </a:rPr>
+              <a:t>Выбрать </a:t>
+            </a:r>
+            <a:r>
+              <a:rPr lang="ru-RU" sz="2400" b="1" noProof="0" dirty="0" smtClean="0">
+                <a:solidFill>
+                  <a:schemeClr val="tx1">
+                    <a:lumMod val="50000"/>
+                    <a:lumOff val="50000"/>
+                  </a:schemeClr>
+                </a:solidFill>
+                <a:latin typeface="+mj-lt"/>
+                <a:ea typeface="+mj-ea"/>
+                <a:cs typeface="+mj-cs"/>
+              </a:rPr>
+              <a:t>стратегию разработки и создания веб-</a:t>
+            </a:r>
+            <a:r>
+              <a:rPr lang="ru-RU" sz="2400" b="1" noProof="0" dirty="0" err="1" smtClean="0">
+                <a:solidFill>
+                  <a:schemeClr val="tx1">
+                    <a:lumMod val="50000"/>
+                    <a:lumOff val="50000"/>
+                  </a:schemeClr>
+                </a:solidFill>
+                <a:latin typeface="+mj-lt"/>
+                <a:ea typeface="+mj-ea"/>
+                <a:cs typeface="+mj-cs"/>
+              </a:rPr>
               <a:t>квеста</a:t>
             </a:r>
-            <a:endParaRPr lang="ru-RU" sz="2400" noProof="0" dirty="0" smtClean="0">
+            <a:endParaRPr lang="ru-RU" sz="2400" b="1" noProof="0" dirty="0" smtClean="0">
               <a:solidFill>
                 <a:schemeClr val="tx1">
                   <a:lumMod val="50000"/>
@@ -6498,7 +6752,7 @@
               <a:defRPr/>
             </a:pPr>
             <a:r>
-              <a:rPr kumimoji="0" lang="ru-RU" sz="2400" i="0" u="none" strike="noStrike" kern="1200" cap="none" spc="0" normalizeH="0" baseline="0" dirty="0" smtClean="0">
+              <a:rPr kumimoji="0" lang="en-US" sz="2400" b="1" i="0" u="none" strike="noStrike" kern="1200" cap="none" spc="0" normalizeH="0" baseline="0" dirty="0" smtClean="0">
                 <a:ln>
                   <a:noFill/>
                 </a:ln>
@@ -6515,10 +6769,10 @@
                 <a:ea typeface="+mj-ea"/>
                 <a:cs typeface="+mj-cs"/>
               </a:rPr>
-              <a:t>Разработать</a:t>
-            </a:r>
-            <a:r>
-              <a:rPr kumimoji="0" lang="ru-RU" sz="2400" i="0" u="none" strike="noStrike" kern="1200" cap="none" spc="0" normalizeH="0" dirty="0" smtClean="0">
+              <a:t> </a:t>
+            </a:r>
+            <a:r>
+              <a:rPr kumimoji="0" lang="ru-RU" sz="2400" b="1" i="0" u="none" strike="noStrike" kern="1200" cap="none" spc="0" normalizeH="0" baseline="0" dirty="0" smtClean="0">
                 <a:ln>
                   <a:noFill/>
                 </a:ln>
@@ -6535,10 +6789,10 @@
                 <a:ea typeface="+mj-ea"/>
                 <a:cs typeface="+mj-cs"/>
               </a:rPr>
-              <a:t> макет </a:t>
-            </a:r>
-            <a:r>
-              <a:rPr kumimoji="0" lang="ru-RU" sz="2400" i="0" u="none" strike="noStrike" kern="1200" cap="none" spc="0" normalizeH="0" dirty="0" err="1" smtClean="0">
+              <a:t>Разработать</a:t>
+            </a:r>
+            <a:r>
+              <a:rPr kumimoji="0" lang="ru-RU" sz="2400" b="1" i="0" u="none" strike="noStrike" kern="1200" cap="none" spc="0" normalizeH="0" dirty="0" smtClean="0">
                 <a:ln>
                   <a:noFill/>
                 </a:ln>
@@ -6555,9 +6809,49 @@
                 <a:ea typeface="+mj-ea"/>
                 <a:cs typeface="+mj-cs"/>
               </a:rPr>
+              <a:t> </a:t>
+            </a:r>
+            <a:r>
+              <a:rPr kumimoji="0" lang="ru-RU" sz="2400" b="1" i="0" u="none" strike="noStrike" kern="1200" cap="none" spc="0" normalizeH="0" dirty="0" smtClean="0">
+                <a:ln>
+                  <a:noFill/>
+                </a:ln>
+                <a:solidFill>
+                  <a:schemeClr val="tx1">
+                    <a:lumMod val="50000"/>
+                    <a:lumOff val="50000"/>
+                  </a:schemeClr>
+                </a:solidFill>
+                <a:effectLst/>
+                <a:uLnTx/>
+                <a:uFillTx/>
+                <a:latin typeface="+mj-lt"/>
+                <a:ea typeface="+mj-ea"/>
+                <a:cs typeface="+mj-cs"/>
+              </a:rPr>
+              <a:t>макет </a:t>
+            </a:r>
+            <a:r>
+              <a:rPr kumimoji="0" lang="ru-RU" sz="2400" b="1" i="0" u="none" strike="noStrike" kern="1200" cap="none" spc="0" normalizeH="0" dirty="0" err="1" smtClean="0">
+                <a:ln>
+                  <a:noFill/>
+                </a:ln>
+                <a:solidFill>
+                  <a:schemeClr val="tx1">
+                    <a:lumMod val="50000"/>
+                    <a:lumOff val="50000"/>
+                  </a:schemeClr>
+                </a:solidFill>
+                <a:effectLst/>
+                <a:uLnTx/>
+                <a:uFillTx/>
+                <a:latin typeface="+mj-lt"/>
+                <a:ea typeface="+mj-ea"/>
+                <a:cs typeface="+mj-cs"/>
+              </a:rPr>
               <a:t>квеста</a:t>
             </a:r>
-            <a:endParaRPr kumimoji="0" lang="ru-RU" sz="2400" i="0" u="none" strike="noStrike" kern="1200" cap="none" spc="0" normalizeH="0" dirty="0" smtClean="0">
+            <a:endParaRPr kumimoji="0" lang="ru-RU" sz="2400" b="1" i="0" u="none" strike="noStrike" kern="1200" cap="none" spc="0" normalizeH="0" dirty="0" smtClean="0">
               <a:ln>
                 <a:noFill/>
               </a:ln>
@@ -6594,7 +6888,7 @@
               <a:defRPr/>
             </a:pPr>
             <a:r>
-              <a:rPr lang="ru-RU" sz="2400" baseline="0" noProof="0" dirty="0" smtClean="0">
+              <a:rPr lang="en-US" sz="2400" b="1" baseline="0" noProof="0" dirty="0" smtClean="0">
                 <a:solidFill>
                   <a:schemeClr val="tx1">
                     <a:lumMod val="50000"/>
@@ -6605,10 +6899,10 @@
                 <a:ea typeface="+mj-ea"/>
                 <a:cs typeface="+mj-cs"/>
               </a:rPr>
-              <a:t>Создать веб-</a:t>
-            </a:r>
-            <a:r>
-              <a:rPr lang="ru-RU" sz="2400" baseline="0" noProof="0" dirty="0" err="1" smtClean="0">
+              <a:t> </a:t>
+            </a:r>
+            <a:r>
+              <a:rPr lang="ru-RU" sz="2400" b="1" baseline="0" noProof="0" dirty="0" smtClean="0">
                 <a:solidFill>
                   <a:schemeClr val="tx1">
                     <a:lumMod val="50000"/>
@@ -6619,10 +6913,10 @@
                 <a:ea typeface="+mj-ea"/>
                 <a:cs typeface="+mj-cs"/>
               </a:rPr>
-              <a:t>квест</a:t>
-            </a:r>
-            <a:r>
-              <a:rPr lang="ru-RU" sz="2400" dirty="0" smtClean="0">
+              <a:t>Создать </a:t>
+            </a:r>
+            <a:r>
+              <a:rPr lang="ru-RU" sz="2400" b="1" baseline="0" noProof="0" dirty="0" smtClean="0">
                 <a:solidFill>
                   <a:schemeClr val="tx1">
                     <a:lumMod val="50000"/>
@@ -6633,9 +6927,37 @@
                 <a:ea typeface="+mj-ea"/>
                 <a:cs typeface="+mj-cs"/>
               </a:rPr>
+              <a:t>веб-</a:t>
+            </a:r>
+            <a:r>
+              <a:rPr lang="ru-RU" sz="2400" b="1" baseline="0" noProof="0" dirty="0" err="1" smtClean="0">
+                <a:solidFill>
+                  <a:schemeClr val="tx1">
+                    <a:lumMod val="50000"/>
+                    <a:lumOff val="50000"/>
+                  </a:schemeClr>
+                </a:solidFill>
+                <a:latin typeface="+mj-lt"/>
+                <a:ea typeface="+mj-ea"/>
+                <a:cs typeface="+mj-cs"/>
+              </a:rPr>
+              <a:t>квест</a:t>
+            </a:r>
+            <a:r>
+              <a:rPr lang="ru-RU" sz="2400" b="1" dirty="0" smtClean="0">
+                <a:solidFill>
+                  <a:schemeClr val="tx1">
+                    <a:lumMod val="50000"/>
+                    <a:lumOff val="50000"/>
+                  </a:schemeClr>
+                </a:solidFill>
+                <a:latin typeface="+mj-lt"/>
+                <a:ea typeface="+mj-ea"/>
+                <a:cs typeface="+mj-cs"/>
+              </a:rPr>
               <a:t>, который будет удобен для всех пользователей</a:t>
             </a:r>
-            <a:endParaRPr kumimoji="0" lang="ru-RU" sz="2400" i="0" u="none" strike="noStrike" kern="1200" cap="none" spc="0" normalizeH="0" baseline="0" noProof="0" dirty="0" smtClean="0">
+            <a:endParaRPr kumimoji="0" lang="ru-RU" sz="2400" b="1" i="0" u="none" strike="noStrike" kern="1200" cap="none" spc="0" normalizeH="0" baseline="0" noProof="0" dirty="0" smtClean="0">
               <a:ln>
                 <a:noFill/>
               </a:ln>
@@ -7125,12 +7447,12 @@
           <a:p>
             <a:pPr algn="ctr"/>
             <a:r>
-              <a:rPr lang="en-US" b="1" dirty="0">
+              <a:rPr lang="ru-RU" b="1" dirty="0" smtClean="0">
                 <a:solidFill>
                   <a:schemeClr val="bg1"/>
                 </a:solidFill>
               </a:rPr>
-              <a:t>“</a:t>
+              <a:t>Уязвимости </a:t>
             </a:r>
             <a:r>
               <a:rPr lang="ru-RU" b="1" dirty="0">
@@ -7138,15 +7460,15 @@
                   <a:schemeClr val="bg1"/>
                 </a:solidFill>
               </a:rPr>
-              <a:t>Уязвимости веб приложений</a:t>
-            </a:r>
-            <a:r>
-              <a:rPr lang="en-US" b="1" dirty="0">
+              <a:t>веб </a:t>
+            </a:r>
+            <a:r>
+              <a:rPr lang="ru-RU" b="1" dirty="0" smtClean="0">
                 <a:solidFill>
                   <a:schemeClr val="bg1"/>
                 </a:solidFill>
               </a:rPr>
-              <a:t>”</a:t>
+              <a:t>приложений</a:t>
             </a:r>
             <a:endParaRPr lang="ru-RU" b="1" dirty="0">
               <a:solidFill>
@@ -7243,7 +7565,7 @@
             </a:br>
             <a:r>
               <a:rPr lang="ru-RU" sz="2700" b="0" dirty="0" smtClean="0"/>
-              <a:t>- техническую реализацию и тестирование</a:t>
+              <a:t>- техническая реализация и тестирование</a:t>
             </a:r>
             <a:r>
               <a:rPr lang="ru-RU" b="0" dirty="0" smtClean="0"/>
@@ -7803,12 +8125,12 @@
           <a:p>
             <a:pPr algn="ctr"/>
             <a:r>
-              <a:rPr lang="en-US" b="1" dirty="0">
+              <a:rPr lang="ru-RU" b="1" dirty="0" smtClean="0">
                 <a:solidFill>
                   <a:schemeClr val="bg1"/>
                 </a:solidFill>
               </a:rPr>
-              <a:t>“</a:t>
+              <a:t>Уязвимости </a:t>
             </a:r>
             <a:r>
               <a:rPr lang="ru-RU" b="1" dirty="0">
@@ -7816,15 +8138,15 @@
                   <a:schemeClr val="bg1"/>
                 </a:solidFill>
               </a:rPr>
-              <a:t>Уязвимости веб приложений</a:t>
-            </a:r>
-            <a:r>
-              <a:rPr lang="en-US" b="1" dirty="0">
+              <a:t>веб </a:t>
+            </a:r>
+            <a:r>
+              <a:rPr lang="ru-RU" b="1" dirty="0" smtClean="0">
                 <a:solidFill>
                   <a:schemeClr val="bg1"/>
                 </a:solidFill>
               </a:rPr>
-              <a:t>”</a:t>
+              <a:t>приложений</a:t>
             </a:r>
             <a:endParaRPr lang="ru-RU" b="1" dirty="0">
               <a:solidFill>
@@ -8386,12 +8708,12 @@
           <a:p>
             <a:pPr algn="ctr"/>
             <a:r>
-              <a:rPr lang="en-US" b="1" dirty="0">
+              <a:rPr lang="ru-RU" b="1" dirty="0" smtClean="0">
                 <a:solidFill>
                   <a:schemeClr val="bg1"/>
                 </a:solidFill>
               </a:rPr>
-              <a:t>“</a:t>
+              <a:t>Уязвимости </a:t>
             </a:r>
             <a:r>
               <a:rPr lang="ru-RU" b="1" dirty="0">
@@ -8399,15 +8721,15 @@
                   <a:schemeClr val="bg1"/>
                 </a:solidFill>
               </a:rPr>
-              <a:t>Уязвимости веб приложений</a:t>
-            </a:r>
-            <a:r>
-              <a:rPr lang="en-US" b="1" dirty="0">
+              <a:t>веб </a:t>
+            </a:r>
+            <a:r>
+              <a:rPr lang="ru-RU" b="1" dirty="0" smtClean="0">
                 <a:solidFill>
                   <a:schemeClr val="bg1"/>
                 </a:solidFill>
               </a:rPr>
-              <a:t>”</a:t>
+              <a:t>приложений</a:t>
             </a:r>
             <a:endParaRPr lang="ru-RU" b="1" dirty="0">
               <a:solidFill>
@@ -8435,35 +8757,17 @@
         </p:spPr>
         <p:txBody>
           <a:bodyPr anchor="t">
-            <a:normAutofit fontScale="90000"/>
+            <a:normAutofit/>
           </a:bodyPr>
           <a:lstStyle/>
           <a:p>
             <a:r>
               <a:rPr lang="ru-RU" sz="2200" b="0" dirty="0" smtClean="0"/>
-              <a:t>Портрет </a:t>
+              <a:t>Был </a:t>
             </a:r>
             <a:r>
               <a:rPr lang="ru-RU" sz="2200" b="0" dirty="0"/>
-              <a:t>клиента – основа маркетинговых действий. Если нет представления кто твой потенциальный клиент, шанс организовать грамотную стратегию маркетинга устремляется к нулю.</a:t>
-            </a:r>
-            <a:r>
-              <a:rPr lang="ru-RU" sz="2200" dirty="0"/>
-              <a:t/>
-            </a:r>
-            <a:br>
-              <a:rPr lang="ru-RU" sz="2200" dirty="0"/>
-            </a:br>
-            <a:r>
-              <a:rPr lang="ru-RU" sz="2200" dirty="0"/>
-              <a:t/>
-            </a:r>
-            <a:br>
-              <a:rPr lang="ru-RU" sz="2200" dirty="0"/>
-            </a:br>
-            <a:r>
-              <a:rPr lang="ru-RU" sz="2200" b="0" dirty="0"/>
-              <a:t>Был выбран редактор кода </a:t>
+              <a:t>выбран редактор кода </a:t>
             </a:r>
             <a:r>
               <a:rPr lang="en-US" sz="2200" b="0" dirty="0"/>
@@ -9013,12 +9317,12 @@
           <a:p>
             <a:pPr algn="ctr"/>
             <a:r>
-              <a:rPr lang="en-US" b="1" dirty="0">
+              <a:rPr lang="ru-RU" b="1" dirty="0" smtClean="0">
                 <a:solidFill>
                   <a:schemeClr val="bg1"/>
                 </a:solidFill>
               </a:rPr>
-              <a:t>“</a:t>
+              <a:t>Уязвимости </a:t>
             </a:r>
             <a:r>
               <a:rPr lang="ru-RU" b="1" dirty="0">
@@ -9026,15 +9330,15 @@
                   <a:schemeClr val="bg1"/>
                 </a:solidFill>
               </a:rPr>
-              <a:t>Уязвимости веб приложений</a:t>
-            </a:r>
-            <a:r>
-              <a:rPr lang="en-US" b="1" dirty="0">
+              <a:t>веб </a:t>
+            </a:r>
+            <a:r>
+              <a:rPr lang="ru-RU" b="1" dirty="0" smtClean="0">
                 <a:solidFill>
                   <a:schemeClr val="bg1"/>
                 </a:solidFill>
               </a:rPr>
-              <a:t>”</a:t>
+              <a:t>приложений</a:t>
             </a:r>
             <a:endParaRPr lang="ru-RU" b="1" dirty="0">
               <a:solidFill>
@@ -9126,7 +9430,7 @@
         </p:blipFill>
         <p:spPr>
           <a:xfrm>
-            <a:off x="3779912" y="2627056"/>
+            <a:off x="3779912" y="2398983"/>
             <a:ext cx="2341880" cy="3566160"/>
           </a:xfrm>
           <a:prstGeom prst="rect">
@@ -9148,7 +9452,7 @@
         </p:blipFill>
         <p:spPr>
           <a:xfrm>
-            <a:off x="6270010" y="2617089"/>
+            <a:off x="6270010" y="2398983"/>
             <a:ext cx="2334438" cy="3581803"/>
           </a:xfrm>
           <a:prstGeom prst="rect">
@@ -9200,7 +9504,7 @@
         </p:blipFill>
         <p:spPr>
           <a:xfrm>
-            <a:off x="558154" y="3322313"/>
+            <a:off x="558154" y="3104207"/>
             <a:ext cx="3073539" cy="2860936"/>
           </a:xfrm>
           <a:prstGeom prst="rect">
@@ -9208,6 +9512,99 @@
           </a:prstGeom>
         </p:spPr>
       </p:pic>
+      <p:sp>
+        <p:nvSpPr>
+          <p:cNvPr id="11" name="TextBox 10"/>
+          <p:cNvSpPr txBox="1"/>
+          <p:nvPr/>
+        </p:nvSpPr>
+        <p:spPr>
+          <a:xfrm>
+            <a:off x="6270010" y="5980786"/>
+            <a:ext cx="2334438" cy="338554"/>
+          </a:xfrm>
+          <a:prstGeom prst="rect">
+            <a:avLst/>
+          </a:prstGeom>
+          <a:noFill/>
+        </p:spPr>
+        <p:txBody>
+          <a:bodyPr wrap="square" rtlCol="0">
+            <a:spAutoFit/>
+          </a:bodyPr>
+          <a:lstStyle/>
+          <a:p>
+            <a:pPr algn="ctr"/>
+            <a:r>
+              <a:rPr lang="ru-RU" sz="1600" dirty="0" err="1" smtClean="0"/>
+              <a:t>Вайрфрейм</a:t>
+            </a:r>
+            <a:endParaRPr lang="ru-RU" sz="1600" dirty="0"/>
+          </a:p>
+        </p:txBody>
+      </p:sp>
+      <p:sp>
+        <p:nvSpPr>
+          <p:cNvPr id="20" name="TextBox 19"/>
+          <p:cNvSpPr txBox="1"/>
+          <p:nvPr/>
+        </p:nvSpPr>
+        <p:spPr>
+          <a:xfrm>
+            <a:off x="3787354" y="5987492"/>
+            <a:ext cx="2334438" cy="338554"/>
+          </a:xfrm>
+          <a:prstGeom prst="rect">
+            <a:avLst/>
+          </a:prstGeom>
+          <a:noFill/>
+        </p:spPr>
+        <p:txBody>
+          <a:bodyPr wrap="square" rtlCol="0">
+            <a:spAutoFit/>
+          </a:bodyPr>
+          <a:lstStyle/>
+          <a:p>
+            <a:pPr algn="ctr"/>
+            <a:r>
+              <a:rPr lang="ru-RU" sz="1600" dirty="0" smtClean="0"/>
+              <a:t>Дизайн макет</a:t>
+            </a:r>
+            <a:endParaRPr lang="ru-RU" sz="1600" dirty="0"/>
+          </a:p>
+        </p:txBody>
+      </p:sp>
+      <p:sp>
+        <p:nvSpPr>
+          <p:cNvPr id="21" name="TextBox 20"/>
+          <p:cNvSpPr txBox="1"/>
+          <p:nvPr/>
+        </p:nvSpPr>
+        <p:spPr>
+          <a:xfrm>
+            <a:off x="880332" y="5988215"/>
+            <a:ext cx="2334438" cy="338554"/>
+          </a:xfrm>
+          <a:prstGeom prst="rect">
+            <a:avLst/>
+          </a:prstGeom>
+          <a:noFill/>
+        </p:spPr>
+        <p:txBody>
+          <a:bodyPr wrap="square" rtlCol="0">
+            <a:spAutoFit/>
+          </a:bodyPr>
+          <a:lstStyle/>
+          <a:p>
+            <a:pPr algn="ctr"/>
+            <a:r>
+              <a:rPr lang="ru-RU" sz="1600" dirty="0" smtClean="0"/>
+              <a:t>Дизайн макет</a:t>
+            </a:r>
+            <a:endParaRPr lang="ru-RU" sz="1600" dirty="0"/>
+          </a:p>
+        </p:txBody>
+      </p:sp>
     </p:spTree>
     <p:extLst>
       <p:ext uri="{BB962C8B-B14F-4D97-AF65-F5344CB8AC3E}">
@@ -9455,7 +9852,7 @@
               <p:nvPr/>
             </p:nvPicPr>
             <p:blipFill>
-              <a:blip r:embed="rId2" cstate="print">
+              <a:blip r:embed="rId3" cstate="print">
                 <a:extLst>
                   <a:ext uri="{28A0092B-C50C-407E-A947-70E740481C1C}">
                     <a14:useLocalDpi xmlns:a14="http://schemas.microsoft.com/office/drawing/2010/main" val="0"/>
@@ -9519,7 +9916,7 @@
           <p:nvPr/>
         </p:nvPicPr>
         <p:blipFill>
-          <a:blip r:embed="rId3" cstate="print">
+          <a:blip r:embed="rId4" cstate="print">
             <a:extLst>
               <a:ext uri="{28A0092B-C50C-407E-A947-70E740481C1C}">
                 <a14:useLocalDpi xmlns:a14="http://schemas.microsoft.com/office/drawing/2010/main" val="0"/>
@@ -9645,12 +10042,12 @@
           <a:p>
             <a:pPr algn="ctr"/>
             <a:r>
-              <a:rPr lang="en-US" b="1" dirty="0">
+              <a:rPr lang="ru-RU" b="1" dirty="0" smtClean="0">
                 <a:solidFill>
                   <a:schemeClr val="bg1"/>
                 </a:solidFill>
               </a:rPr>
-              <a:t>“</a:t>
+              <a:t>Уязвимости </a:t>
             </a:r>
             <a:r>
               <a:rPr lang="ru-RU" b="1" dirty="0">
@@ -9658,15 +10055,15 @@
                   <a:schemeClr val="bg1"/>
                 </a:solidFill>
               </a:rPr>
-              <a:t>Уязвимости веб приложений</a:t>
-            </a:r>
-            <a:r>
-              <a:rPr lang="en-US" b="1" dirty="0">
+              <a:t>веб </a:t>
+            </a:r>
+            <a:r>
+              <a:rPr lang="ru-RU" b="1" dirty="0" smtClean="0">
                 <a:solidFill>
                   <a:schemeClr val="bg1"/>
                 </a:solidFill>
               </a:rPr>
-              <a:t>”</a:t>
+              <a:t>приложений</a:t>
             </a:r>
             <a:endParaRPr lang="ru-RU" b="1" dirty="0">
               <a:solidFill>
@@ -9700,11 +10097,83 @@
           <a:p>
             <a:r>
               <a:rPr lang="ru-RU" b="0" dirty="0"/>
-              <a:t>Данная веб-страница был разработана для того, чтобы рассказать о процессе обеспечения безопасности. Сайт содержит в себе некоторое количество уровней, которые расскажут о современных уязвимостях</a:t>
+              <a:t>Практическая ценность курсового проекта</a:t>
+            </a:r>
+            <a:r>
+              <a:rPr lang="en-US" b="0" dirty="0"/>
+              <a:t>:</a:t>
+            </a:r>
+            <a:r>
+              <a:rPr lang="ru-RU" b="0" dirty="0"/>
+              <a:t/>
+            </a:r>
+            <a:br>
+              <a:rPr lang="ru-RU" b="0" dirty="0"/>
+            </a:br>
+            <a:r>
+              <a:rPr lang="en-US" b="0" dirty="0" smtClean="0"/>
+              <a:t>- </a:t>
+            </a:r>
+            <a:r>
+              <a:rPr lang="ru-RU" b="0" dirty="0" smtClean="0"/>
+              <a:t>был </a:t>
+            </a:r>
+            <a:r>
+              <a:rPr lang="ru-RU" b="0" dirty="0"/>
+              <a:t>получен опыт разработки веб-сайтов, были освоены базовые инструменты;</a:t>
+            </a:r>
+            <a:br>
+              <a:rPr lang="ru-RU" b="0" dirty="0"/>
+            </a:br>
+            <a:r>
+              <a:rPr lang="en-US" b="0" dirty="0" smtClean="0"/>
+              <a:t>- </a:t>
+            </a:r>
+            <a:r>
+              <a:rPr lang="ru-RU" b="0" dirty="0" smtClean="0"/>
+              <a:t>был </a:t>
+            </a:r>
+            <a:r>
+              <a:rPr lang="ru-RU" b="0" dirty="0"/>
+              <a:t>получены представления об обеспечении безопасности;</a:t>
+            </a:r>
+            <a:br>
+              <a:rPr lang="ru-RU" b="0" dirty="0"/>
+            </a:br>
+            <a:r>
+              <a:rPr lang="en-US" b="0" dirty="0" smtClean="0"/>
+              <a:t>- </a:t>
+            </a:r>
+            <a:r>
+              <a:rPr lang="ru-RU" b="0" dirty="0" smtClean="0"/>
+              <a:t>пользователи </a:t>
+            </a:r>
+            <a:r>
+              <a:rPr lang="ru-RU" b="0" dirty="0"/>
+              <a:t>могут изучить информацию по теме;</a:t>
+            </a:r>
+            <a:br>
+              <a:rPr lang="ru-RU" b="0" dirty="0"/>
+            </a:br>
+            <a:r>
+              <a:rPr lang="en-US" b="0" dirty="0" smtClean="0"/>
+              <a:t>- </a:t>
+            </a:r>
+            <a:r>
+              <a:rPr lang="ru-RU" b="0" dirty="0" smtClean="0"/>
+              <a:t>была </a:t>
+            </a:r>
+            <a:r>
+              <a:rPr lang="ru-RU" b="0" dirty="0"/>
+              <a:t>выполнена работа по анализу подобных сайтов</a:t>
             </a:r>
             <a:r>
               <a:rPr lang="ru-RU" b="0" dirty="0" smtClean="0"/>
               <a:t>.</a:t>
+            </a:r>
+            <a:r>
+              <a:rPr lang="ru-RU" b="0" dirty="0" smtClean="0"/>
+              <a:t/>
             </a:r>
             <a:br>
               <a:rPr lang="ru-RU" b="0" dirty="0" smtClean="0"/>
@@ -9718,43 +10187,59 @@
             </a:br>
             <a:r>
               <a:rPr lang="ru-RU" b="0" dirty="0"/>
-              <a:t>Основная направленность курсового проекта состоит в том, чтобы создать платформу веб-</a:t>
-            </a:r>
-            <a:r>
-              <a:rPr lang="ru-RU" b="0" dirty="0" err="1"/>
-              <a:t>квеста</a:t>
-            </a:r>
-            <a:r>
-              <a:rPr lang="ru-RU" b="0" dirty="0"/>
-              <a:t>, которая в дальнейшем со временем будет добавлять новые уровни, рассказывающие о новых уязвимостях. </a:t>
-            </a:r>
-            <a:r>
-              <a:rPr lang="ru-RU" b="0" dirty="0" smtClean="0"/>
-              <a:t/>
-            </a:r>
-            <a:br>
-              <a:rPr lang="ru-RU" b="0" dirty="0" smtClean="0"/>
-            </a:br>
-            <a:r>
-              <a:rPr lang="ru-RU" b="0" dirty="0"/>
-              <a:t/>
+              <a:t>Исходя из выполненных задач можно подвести итоги:</a:t>
             </a:r>
             <a:br>
               <a:rPr lang="ru-RU" b="0" dirty="0"/>
             </a:br>
             <a:r>
+              <a:rPr lang="en-US" b="0" dirty="0" smtClean="0"/>
+              <a:t>- </a:t>
+            </a:r>
+            <a:r>
+              <a:rPr lang="ru-RU" b="0" dirty="0" smtClean="0"/>
+              <a:t>разработка </a:t>
+            </a:r>
+            <a:r>
               <a:rPr lang="ru-RU" b="0" dirty="0"/>
-              <a:t>Актуальность выбранной темы курсового проекта обуславливается необходимостью обеспечения безопасности информации и важности такой профессии как специалист информационной безопасности. Этот сайт может стать первым шагом на пути становления будущего специалиста.</a:t>
+              <a:t>макета сайта, является самым эффективным способом структурного представления сайта;</a:t>
             </a:r>
             <a:br>
               <a:rPr lang="ru-RU" b="0" dirty="0"/>
             </a:br>
             <a:r>
+              <a:rPr lang="en-US" b="0" dirty="0" smtClean="0"/>
+              <a:t>-</a:t>
+            </a:r>
+            <a:r>
+              <a:rPr lang="ru-RU" b="0" dirty="0" smtClean="0"/>
+              <a:t> </a:t>
+            </a:r>
+            <a:r>
               <a:rPr lang="ru-RU" b="0" dirty="0"/>
-              <a:t/>
+              <a:t>структура веб-сайтов, в основном, очень схожа, расположение основных элементов, таких как: логотип, название и панель навигации, практически не меняются;</a:t>
             </a:r>
             <a:br>
               <a:rPr lang="ru-RU" b="0" dirty="0"/>
+            </a:br>
+            <a:r>
+              <a:rPr lang="en-US" b="0" dirty="0" smtClean="0"/>
+              <a:t>- </a:t>
+            </a:r>
+            <a:r>
+              <a:rPr lang="ru-RU" b="0" dirty="0" smtClean="0"/>
+              <a:t>для </a:t>
+            </a:r>
+            <a:r>
+              <a:rPr lang="ru-RU" b="0" dirty="0"/>
+              <a:t>вёрстки веб-сайта предпочтительно использовать специальные среды разработки.</a:t>
+            </a:r>
+            <a:r>
+              <a:rPr lang="ru-RU" b="0" dirty="0" smtClean="0"/>
+              <a:t/>
+            </a:r>
+            <a:br>
+              <a:rPr lang="ru-RU" b="0" dirty="0" smtClean="0"/>
             </a:br>
             <a:endParaRPr lang="ru-RU" sz="2400" b="0" dirty="0"/>
           </a:p>
@@ -9799,11 +10284,37 @@
           </a:lstStyle>
           <a:p>
             <a:pPr algn="ctr"/>
-            <a:r>
-              <a:rPr lang="ru-RU" sz="2400" b="0" smtClean="0"/>
+            <a:endParaRPr lang="ru-RU" sz="2400" b="0" dirty="0"/>
+          </a:p>
+        </p:txBody>
+      </p:sp>
+      <p:sp>
+        <p:nvSpPr>
+          <p:cNvPr id="14" name="TextBox 13"/>
+          <p:cNvSpPr txBox="1"/>
+          <p:nvPr/>
+        </p:nvSpPr>
+        <p:spPr>
+          <a:xfrm>
+            <a:off x="2591780" y="1221976"/>
+            <a:ext cx="4032448" cy="523220"/>
+          </a:xfrm>
+          <a:prstGeom prst="rect">
+            <a:avLst/>
+          </a:prstGeom>
+          <a:noFill/>
+        </p:spPr>
+        <p:txBody>
+          <a:bodyPr wrap="square" rtlCol="0">
+            <a:spAutoFit/>
+          </a:bodyPr>
+          <a:lstStyle/>
+          <a:p>
+            <a:r>
+              <a:rPr lang="ru-RU" sz="2800" dirty="0" smtClean="0"/>
               <a:t>Заключение</a:t>
             </a:r>
-            <a:endParaRPr lang="ru-RU" sz="2400" b="0" dirty="0"/>
+            <a:endParaRPr lang="ru-RU" sz="2800" dirty="0"/>
           </a:p>
         </p:txBody>
       </p:sp>

--- a/Презентация_шаблон_для защиты КП.pptx
+++ b/Презентация_шаблон_для защиты КП.pptx
@@ -116,7 +116,7 @@
   </p:defaultTextStyle>
   <p:extLst>
     <p:ext uri="{EFAFB233-063F-42B5-8137-9DF3F51BA10A}">
-      <p15:sldGuideLst xmlns:p15="http://schemas.microsoft.com/office/powerpoint/2012/main" xmlns="">
+      <p15:sldGuideLst xmlns="" xmlns:p15="http://schemas.microsoft.com/office/powerpoint/2012/main">
         <p15:guide id="1" orient="horz" pos="2160">
           <p15:clr>
             <a:srgbClr val="A4A3A4"/>
@@ -216,7 +216,7 @@
             <a:fld id="{AECF1D81-4EE5-4E39-B6F1-8885B9595BAC}" type="datetimeFigureOut">
               <a:rPr lang="ru-RU" smtClean="0"/>
               <a:pPr/>
-              <a:t>01.06.2022</a:t>
+              <a:t>02.06.2022</a:t>
             </a:fld>
             <a:endParaRPr lang="ru-RU"/>
           </a:p>
@@ -640,31 +640,7 @@
                 <a:ea typeface="+mn-ea"/>
                 <a:cs typeface="+mn-cs"/>
               </a:rPr>
-              <a:t>Невозможно представить современный мир без интернета, интернет обеспечивает своевременную работоспособность веб-серверов </a:t>
-            </a:r>
-            <a:r>
-              <a:rPr lang="ru-RU" sz="1200" kern="1200" dirty="0" smtClean="0">
-                <a:solidFill>
-                  <a:schemeClr val="tx1"/>
-                </a:solidFill>
-                <a:effectLst/>
-                <a:latin typeface="+mn-lt"/>
-                <a:ea typeface="+mn-ea"/>
-                <a:cs typeface="+mn-cs"/>
-              </a:rPr>
-              <a:t>для тысяч </a:t>
-            </a:r>
-            <a:r>
-              <a:rPr lang="ru-RU" sz="1200" kern="1200" dirty="0" smtClean="0">
-                <a:solidFill>
-                  <a:schemeClr val="tx1"/>
-                </a:solidFill>
-                <a:effectLst/>
-                <a:latin typeface="+mn-lt"/>
-                <a:ea typeface="+mn-ea"/>
-                <a:cs typeface="+mn-cs"/>
-              </a:rPr>
-              <a:t>предприятий и фирм, для миллионов развлекательных, маркетинговых и некоммерческих веб-сайтов.</a:t>
+              <a:t>Невозможно представить современный мир без интернета, интернет обеспечивает своевременную работоспособность веб-серверов для тысяч предприятий и фирм, для миллионов развлекательных, маркетинговых и некоммерческих веб-сайтов.</a:t>
             </a:r>
           </a:p>
           <a:p>
@@ -1541,10 +1517,10 @@
                 <a:ea typeface="+mn-ea"/>
                 <a:cs typeface="+mn-cs"/>
               </a:rPr>
-              <a:t> – это образ дизайна низкой точности. Он должен четко показывать: основою группу контента, на картинке справа вы видите </a:t>
-            </a:r>
-            <a:r>
-              <a:rPr lang="ru-RU" sz="1200" kern="1200" dirty="0" err="1" smtClean="0">
+              <a:t> – это образ дизайна низкой точности. Он должен четко показывать: основою группу </a:t>
+            </a:r>
+            <a:r>
+              <a:rPr lang="ru-RU" sz="1200" kern="1200" dirty="0" smtClean="0">
                 <a:solidFill>
                   <a:schemeClr val="tx1"/>
                 </a:solidFill>
@@ -1553,10 +1529,10 @@
                 <a:ea typeface="+mn-ea"/>
                 <a:cs typeface="+mn-cs"/>
               </a:rPr>
-              <a:t>вайрфрейм</a:t>
-            </a:r>
-            <a:r>
-              <a:rPr lang="ru-RU" sz="1200" kern="1200" dirty="0" smtClean="0">
+              <a:t>контента.</a:t>
+            </a:r>
+            <a:r>
+              <a:rPr lang="ru-RU" sz="1200" kern="1200" baseline="0" dirty="0" smtClean="0">
                 <a:solidFill>
                   <a:schemeClr val="tx1"/>
                 </a:solidFill>
@@ -1565,7 +1541,7 @@
                 <a:ea typeface="+mn-ea"/>
                 <a:cs typeface="+mn-cs"/>
               </a:rPr>
-              <a:t> главной страницы.</a:t>
+              <a:t> </a:t>
             </a:r>
             <a:r>
               <a:rPr lang="ru-RU" sz="1200" kern="1200" baseline="0" dirty="0" smtClean="0">
@@ -1577,7 +1553,7 @@
                 <a:ea typeface="+mn-ea"/>
                 <a:cs typeface="+mn-cs"/>
               </a:rPr>
-              <a:t> После </a:t>
+              <a:t>После </a:t>
             </a:r>
             <a:r>
               <a:rPr lang="ru-RU" sz="1200" kern="1200" baseline="0" dirty="0" err="1" smtClean="0">
@@ -1627,17 +1603,6 @@
               </a:rPr>
               <a:t> После </a:t>
             </a:r>
-            <a:endParaRPr lang="ru-RU" sz="1200" kern="1200" dirty="0" smtClean="0">
-              <a:solidFill>
-                <a:schemeClr val="tx1"/>
-              </a:solidFill>
-              <a:effectLst/>
-              <a:latin typeface="+mn-lt"/>
-              <a:ea typeface="+mn-ea"/>
-              <a:cs typeface="+mn-cs"/>
-            </a:endParaRPr>
-          </a:p>
-          <a:p>
             <a:r>
               <a:rPr lang="ru-RU" sz="1200" kern="1200" baseline="0" dirty="0" smtClean="0">
                 <a:solidFill>
@@ -1648,7 +1613,19 @@
                 <a:ea typeface="+mn-ea"/>
                 <a:cs typeface="+mn-cs"/>
               </a:rPr>
-              <a:t> создания макета можно приступать к разработке сайта.</a:t>
+              <a:t>создания </a:t>
+            </a:r>
+            <a:r>
+              <a:rPr lang="ru-RU" sz="1200" kern="1200" baseline="0" dirty="0" smtClean="0">
+                <a:solidFill>
+                  <a:schemeClr val="tx1"/>
+                </a:solidFill>
+                <a:effectLst/>
+                <a:latin typeface="+mn-lt"/>
+                <a:ea typeface="+mn-ea"/>
+                <a:cs typeface="+mn-cs"/>
+              </a:rPr>
+              <a:t>макета можно приступать к разработке сайта.</a:t>
             </a:r>
             <a:endParaRPr lang="ru-RU" dirty="0"/>
           </a:p>
@@ -2010,7 +1987,7 @@
             <a:fld id="{3BCF6A50-2970-4D2B-BBFE-15D12F89CB5A}" type="datetime1">
               <a:rPr lang="ru-RU" smtClean="0"/>
               <a:pPr/>
-              <a:t>01.06.2022</a:t>
+              <a:t>02.06.2022</a:t>
             </a:fld>
             <a:endParaRPr lang="ru-RU"/>
           </a:p>
@@ -2190,7 +2167,7 @@
             <a:fld id="{627499C3-B385-48FC-A3DC-771F5EFAE80F}" type="datetime1">
               <a:rPr lang="ru-RU" smtClean="0"/>
               <a:pPr/>
-              <a:t>01.06.2022</a:t>
+              <a:t>02.06.2022</a:t>
             </a:fld>
             <a:endParaRPr lang="ru-RU"/>
           </a:p>
@@ -2380,7 +2357,7 @@
             <a:fld id="{F35E285E-6CE2-4AB7-8B62-DB38C6BD6E0F}" type="datetime1">
               <a:rPr lang="ru-RU" smtClean="0"/>
               <a:pPr/>
-              <a:t>01.06.2022</a:t>
+              <a:t>02.06.2022</a:t>
             </a:fld>
             <a:endParaRPr lang="ru-RU"/>
           </a:p>
@@ -2560,7 +2537,7 @@
             <a:fld id="{3F303E16-A3BD-4F48-B288-33F824B1929E}" type="datetime1">
               <a:rPr lang="ru-RU" smtClean="0"/>
               <a:pPr/>
-              <a:t>01.06.2022</a:t>
+              <a:t>02.06.2022</a:t>
             </a:fld>
             <a:endParaRPr lang="ru-RU"/>
           </a:p>
@@ -2816,7 +2793,7 @@
             <a:fld id="{96921234-7A09-4074-A921-CB27B7EA6D46}" type="datetime1">
               <a:rPr lang="ru-RU" smtClean="0"/>
               <a:pPr/>
-              <a:t>01.06.2022</a:t>
+              <a:t>02.06.2022</a:t>
             </a:fld>
             <a:endParaRPr lang="ru-RU"/>
           </a:p>
@@ -3114,7 +3091,7 @@
             <a:fld id="{11530C46-F36C-452F-AF09-3054BF99695F}" type="datetime1">
               <a:rPr lang="ru-RU" smtClean="0"/>
               <a:pPr/>
-              <a:t>01.06.2022</a:t>
+              <a:t>02.06.2022</a:t>
             </a:fld>
             <a:endParaRPr lang="ru-RU"/>
           </a:p>
@@ -3546,7 +3523,7 @@
             <a:fld id="{F05E09F5-19E9-4ECA-A848-F4BFC063EE6D}" type="datetime1">
               <a:rPr lang="ru-RU" smtClean="0"/>
               <a:pPr/>
-              <a:t>01.06.2022</a:t>
+              <a:t>02.06.2022</a:t>
             </a:fld>
             <a:endParaRPr lang="ru-RU"/>
           </a:p>
@@ -3674,7 +3651,7 @@
             <a:fld id="{A04B2CC4-4CC8-4D06-8A49-96470D9243A3}" type="datetime1">
               <a:rPr lang="ru-RU" smtClean="0"/>
               <a:pPr/>
-              <a:t>01.06.2022</a:t>
+              <a:t>02.06.2022</a:t>
             </a:fld>
             <a:endParaRPr lang="ru-RU"/>
           </a:p>
@@ -3779,7 +3756,7 @@
             <a:fld id="{34ACA07F-999E-4F0E-83A1-A82334BEE0B3}" type="datetime1">
               <a:rPr lang="ru-RU" smtClean="0"/>
               <a:pPr/>
-              <a:t>01.06.2022</a:t>
+              <a:t>02.06.2022</a:t>
             </a:fld>
             <a:endParaRPr lang="ru-RU"/>
           </a:p>
@@ -4066,7 +4043,7 @@
             <a:fld id="{A8879E99-EE21-493D-8594-A240AFAA2AFB}" type="datetime1">
               <a:rPr lang="ru-RU" smtClean="0"/>
               <a:pPr/>
-              <a:t>01.06.2022</a:t>
+              <a:t>02.06.2022</a:t>
             </a:fld>
             <a:endParaRPr lang="ru-RU"/>
           </a:p>
@@ -4329,7 +4306,7 @@
             <a:fld id="{1EC111D7-1538-469E-8B2F-356BB9CB12F0}" type="datetime1">
               <a:rPr lang="ru-RU" smtClean="0"/>
               <a:pPr/>
-              <a:t>01.06.2022</a:t>
+              <a:t>02.06.2022</a:t>
             </a:fld>
             <a:endParaRPr lang="ru-RU"/>
           </a:p>
@@ -4552,7 +4529,7 @@
             <a:fld id="{0E59931E-195D-4B26-80FE-29169D29C9C8}" type="datetime1">
               <a:rPr lang="ru-RU" smtClean="0"/>
               <a:pPr/>
-              <a:t>01.06.2022</a:t>
+              <a:t>02.06.2022</a:t>
             </a:fld>
             <a:endParaRPr lang="ru-RU"/>
           </a:p>
@@ -6523,10 +6500,10 @@
                 <a:ea typeface="+mj-ea"/>
                 <a:cs typeface="+mj-cs"/>
               </a:rPr>
-              <a:t>ся </a:t>
-            </a:r>
-            <a:r>
-              <a:rPr lang="ru-RU" sz="2400" b="1" baseline="0" dirty="0" smtClean="0">
+              <a:t>ся с основными </a:t>
+            </a:r>
+            <a:r>
+              <a:rPr lang="ru-RU" sz="2400" b="1" dirty="0" smtClean="0">
                 <a:solidFill>
                   <a:schemeClr val="tx1">
                     <a:lumMod val="50000"/>
@@ -6537,35 +6514,7 @@
                 <a:ea typeface="+mj-ea"/>
                 <a:cs typeface="+mj-cs"/>
               </a:rPr>
-              <a:t>с основными </a:t>
-            </a:r>
-            <a:r>
-              <a:rPr lang="ru-RU" sz="2400" b="1" dirty="0" smtClean="0">
-                <a:solidFill>
-                  <a:schemeClr val="tx1">
-                    <a:lumMod val="50000"/>
-                    <a:lumOff val="50000"/>
-                  </a:schemeClr>
-                </a:solidFill>
-                <a:latin typeface="+mj-lt"/>
-                <a:ea typeface="+mj-ea"/>
-                <a:cs typeface="+mj-cs"/>
-              </a:rPr>
-              <a:t>рекомендациями </a:t>
-            </a:r>
-            <a:r>
-              <a:rPr lang="ru-RU" sz="2400" b="1" dirty="0" smtClean="0">
-                <a:solidFill>
-                  <a:schemeClr val="tx1">
-                    <a:lumMod val="50000"/>
-                    <a:lumOff val="50000"/>
-                  </a:schemeClr>
-                </a:solidFill>
-                <a:latin typeface="+mj-lt"/>
-                <a:ea typeface="+mj-ea"/>
-                <a:cs typeface="+mj-cs"/>
-              </a:rPr>
-              <a:t>веб-разработки</a:t>
+              <a:t>рекомендациями веб-разработки</a:t>
             </a:r>
           </a:p>
           <a:p>
@@ -6624,27 +6573,7 @@
                 <a:ea typeface="+mj-ea"/>
                 <a:cs typeface="+mj-cs"/>
               </a:rPr>
-              <a:t>Выявить </a:t>
-            </a:r>
-            <a:r>
-              <a:rPr kumimoji="0" lang="ru-RU" sz="2400" b="1" i="0" u="none" strike="noStrike" kern="1200" cap="none" spc="0" normalizeH="0" baseline="0" noProof="0" dirty="0" smtClean="0">
-                <a:ln>
-                  <a:noFill/>
-                </a:ln>
-                <a:solidFill>
-                  <a:schemeClr val="tx1">
-                    <a:lumMod val="50000"/>
-                    <a:lumOff val="50000"/>
-                  </a:schemeClr>
-                </a:solidFill>
-                <a:effectLst/>
-                <a:uLnTx/>
-                <a:uFillTx/>
-                <a:latin typeface="+mj-lt"/>
-                <a:ea typeface="+mj-ea"/>
-                <a:cs typeface="+mj-cs"/>
-              </a:rPr>
-              <a:t>методы организации атак на веб-сайты</a:t>
+              <a:t>Выявить методы организации атак на веб-сайты</a:t>
             </a:r>
           </a:p>
           <a:p>
@@ -6691,21 +6620,7 @@
                 <a:ea typeface="+mj-ea"/>
                 <a:cs typeface="+mj-cs"/>
               </a:rPr>
-              <a:t>Выбрать </a:t>
-            </a:r>
-            <a:r>
-              <a:rPr lang="ru-RU" sz="2400" b="1" noProof="0" dirty="0" smtClean="0">
-                <a:solidFill>
-                  <a:schemeClr val="tx1">
-                    <a:lumMod val="50000"/>
-                    <a:lumOff val="50000"/>
-                  </a:schemeClr>
-                </a:solidFill>
-                <a:latin typeface="+mj-lt"/>
-                <a:ea typeface="+mj-ea"/>
-                <a:cs typeface="+mj-cs"/>
-              </a:rPr>
-              <a:t>стратегию разработки и создания веб-</a:t>
+              <a:t>Выбрать стратегию разработки и создания веб-</a:t>
             </a:r>
             <a:r>
               <a:rPr lang="ru-RU" sz="2400" b="1" noProof="0" dirty="0" err="1" smtClean="0">
@@ -6809,27 +6724,7 @@
                 <a:ea typeface="+mj-ea"/>
                 <a:cs typeface="+mj-cs"/>
               </a:rPr>
-              <a:t> </a:t>
-            </a:r>
-            <a:r>
-              <a:rPr kumimoji="0" lang="ru-RU" sz="2400" b="1" i="0" u="none" strike="noStrike" kern="1200" cap="none" spc="0" normalizeH="0" dirty="0" smtClean="0">
-                <a:ln>
-                  <a:noFill/>
-                </a:ln>
-                <a:solidFill>
-                  <a:schemeClr val="tx1">
-                    <a:lumMod val="50000"/>
-                    <a:lumOff val="50000"/>
-                  </a:schemeClr>
-                </a:solidFill>
-                <a:effectLst/>
-                <a:uLnTx/>
-                <a:uFillTx/>
-                <a:latin typeface="+mj-lt"/>
-                <a:ea typeface="+mj-ea"/>
-                <a:cs typeface="+mj-cs"/>
-              </a:rPr>
-              <a:t>макет </a:t>
+              <a:t> макет </a:t>
             </a:r>
             <a:r>
               <a:rPr kumimoji="0" lang="ru-RU" sz="2400" b="1" i="0" u="none" strike="noStrike" kern="1200" cap="none" spc="0" normalizeH="0" dirty="0" err="1" smtClean="0">
@@ -6913,21 +6808,7 @@
                 <a:ea typeface="+mj-ea"/>
                 <a:cs typeface="+mj-cs"/>
               </a:rPr>
-              <a:t>Создать </a:t>
-            </a:r>
-            <a:r>
-              <a:rPr lang="ru-RU" sz="2400" b="1" baseline="0" noProof="0" dirty="0" smtClean="0">
-                <a:solidFill>
-                  <a:schemeClr val="tx1">
-                    <a:lumMod val="50000"/>
-                    <a:lumOff val="50000"/>
-                  </a:schemeClr>
-                </a:solidFill>
-                <a:latin typeface="+mj-lt"/>
-                <a:ea typeface="+mj-ea"/>
-                <a:cs typeface="+mj-cs"/>
-              </a:rPr>
-              <a:t>веб-</a:t>
+              <a:t>Создать веб-</a:t>
             </a:r>
             <a:r>
               <a:rPr lang="ru-RU" sz="2400" b="1" baseline="0" noProof="0" dirty="0" err="1" smtClean="0">
@@ -8801,7 +8682,15 @@
             </a:br>
             <a:r>
               <a:rPr lang="ru-RU" sz="2200" b="0" dirty="0"/>
-              <a:t>По завершению можно выделить следующие функциональные </a:t>
+              <a:t>М</a:t>
+            </a:r>
+            <a:r>
+              <a:rPr lang="ru-RU" sz="2200" b="0" dirty="0" smtClean="0"/>
+              <a:t>ожно </a:t>
+            </a:r>
+            <a:r>
+              <a:rPr lang="ru-RU" sz="2200" b="0" dirty="0"/>
+              <a:t>выделить следующие функциональные </a:t>
             </a:r>
             <a:r>
               <a:rPr lang="ru-RU" sz="2200" b="0" dirty="0" smtClean="0"/>
@@ -10085,8 +9974,8 @@
         </p:nvSpPr>
         <p:spPr>
           <a:xfrm>
-            <a:off x="628278" y="2049861"/>
-            <a:ext cx="8200578" cy="4253852"/>
+            <a:off x="628278" y="1844824"/>
+            <a:ext cx="8200578" cy="4458889"/>
           </a:xfrm>
         </p:spPr>
         <p:txBody>
@@ -10170,10 +10059,6 @@
             <a:r>
               <a:rPr lang="ru-RU" b="0" dirty="0" smtClean="0"/>
               <a:t>.</a:t>
-            </a:r>
-            <a:r>
-              <a:rPr lang="ru-RU" b="0" dirty="0" smtClean="0"/>
-              <a:t/>
             </a:r>
             <a:br>
               <a:rPr lang="ru-RU" b="0" dirty="0" smtClean="0"/>

--- a/Презентация_шаблон_для защиты КП.pptx
+++ b/Презентация_шаблон_для защиты КП.pptx
@@ -5,7 +5,7 @@
     <p:sldMasterId id="2147483792" r:id="rId1"/>
   </p:sldMasterIdLst>
   <p:notesMasterIdLst>
-    <p:notesMasterId r:id="rId10"/>
+    <p:notesMasterId r:id="rId11"/>
   </p:notesMasterIdLst>
   <p:sldIdLst>
     <p:sldId id="256" r:id="rId2"/>
@@ -16,6 +16,7 @@
     <p:sldId id="294" r:id="rId7"/>
     <p:sldId id="296" r:id="rId8"/>
     <p:sldId id="297" r:id="rId9"/>
+    <p:sldId id="299" r:id="rId10"/>
   </p:sldIdLst>
   <p:sldSz cx="9144000" cy="6858000" type="screen4x3"/>
   <p:notesSz cx="6858000" cy="9144000"/>
@@ -116,7 +117,7 @@
   </p:defaultTextStyle>
   <p:extLst>
     <p:ext uri="{EFAFB233-063F-42B5-8137-9DF3F51BA10A}">
-      <p15:sldGuideLst xmlns="" xmlns:p15="http://schemas.microsoft.com/office/powerpoint/2012/main">
+      <p15:sldGuideLst xmlns:p15="http://schemas.microsoft.com/office/powerpoint/2012/main" xmlns="">
         <p15:guide id="1" orient="horz" pos="2160">
           <p15:clr>
             <a:srgbClr val="A4A3A4"/>
@@ -1517,10 +1518,10 @@
                 <a:ea typeface="+mn-ea"/>
                 <a:cs typeface="+mn-cs"/>
               </a:rPr>
-              <a:t> – это образ дизайна низкой точности. Он должен четко показывать: основою группу </a:t>
-            </a:r>
-            <a:r>
-              <a:rPr lang="ru-RU" sz="1200" kern="1200" dirty="0" smtClean="0">
+              <a:t> – это образ дизайна низкой точности. Он должен четко показывать: основою группу контента.</a:t>
+            </a:r>
+            <a:r>
+              <a:rPr lang="ru-RU" sz="1200" kern="1200" baseline="0" dirty="0" smtClean="0">
                 <a:solidFill>
                   <a:schemeClr val="tx1"/>
                 </a:solidFill>
@@ -1529,10 +1530,10 @@
                 <a:ea typeface="+mn-ea"/>
                 <a:cs typeface="+mn-cs"/>
               </a:rPr>
-              <a:t>контента.</a:t>
-            </a:r>
-            <a:r>
-              <a:rPr lang="ru-RU" sz="1200" kern="1200" baseline="0" dirty="0" smtClean="0">
+              <a:t> После </a:t>
+            </a:r>
+            <a:r>
+              <a:rPr lang="ru-RU" sz="1200" kern="1200" baseline="0" dirty="0" err="1" smtClean="0">
                 <a:solidFill>
                   <a:schemeClr val="tx1"/>
                 </a:solidFill>
@@ -1541,7 +1542,7 @@
                 <a:ea typeface="+mn-ea"/>
                 <a:cs typeface="+mn-cs"/>
               </a:rPr>
-              <a:t> </a:t>
+              <a:t>вайрфрейма</a:t>
             </a:r>
             <a:r>
               <a:rPr lang="ru-RU" sz="1200" kern="1200" baseline="0" dirty="0" smtClean="0">
@@ -1553,10 +1554,10 @@
                 <a:ea typeface="+mn-ea"/>
                 <a:cs typeface="+mn-cs"/>
               </a:rPr>
-              <a:t>После </a:t>
-            </a:r>
-            <a:r>
-              <a:rPr lang="ru-RU" sz="1200" kern="1200" baseline="0" dirty="0" err="1" smtClean="0">
+              <a:t> был разработан дизайн макет. </a:t>
+            </a:r>
+            <a:r>
+              <a:rPr lang="ru-RU" sz="1200" kern="1200" dirty="0" smtClean="0">
                 <a:solidFill>
                   <a:schemeClr val="tx1"/>
                 </a:solidFill>
@@ -1565,7 +1566,7 @@
                 <a:ea typeface="+mn-ea"/>
                 <a:cs typeface="+mn-cs"/>
               </a:rPr>
-              <a:t>вайрфрейма</a:t>
+              <a:t>Дизайн-макет – это визуальный образ страницы, отображающий расположение и характеристики всех элементов.</a:t>
             </a:r>
             <a:r>
               <a:rPr lang="ru-RU" sz="1200" kern="1200" baseline="0" dirty="0" smtClean="0">
@@ -1577,55 +1578,7 @@
                 <a:ea typeface="+mn-ea"/>
                 <a:cs typeface="+mn-cs"/>
               </a:rPr>
-              <a:t> был разработан дизайн макет. </a:t>
-            </a:r>
-            <a:r>
-              <a:rPr lang="ru-RU" sz="1200" kern="1200" dirty="0" smtClean="0">
-                <a:solidFill>
-                  <a:schemeClr val="tx1"/>
-                </a:solidFill>
-                <a:effectLst/>
-                <a:latin typeface="+mn-lt"/>
-                <a:ea typeface="+mn-ea"/>
-                <a:cs typeface="+mn-cs"/>
-              </a:rPr>
-              <a:t>Дизайн-макет – это визуальный образ страницы, отображающий расположение и характеристики всех элементов.</a:t>
-            </a:r>
-            <a:r>
-              <a:rPr lang="ru-RU" sz="1200" kern="1200" baseline="0" dirty="0" smtClean="0">
-                <a:solidFill>
-                  <a:schemeClr val="tx1"/>
-                </a:solidFill>
-                <a:effectLst/>
-                <a:latin typeface="+mn-lt"/>
-                <a:ea typeface="+mn-ea"/>
-                <a:cs typeface="+mn-cs"/>
-              </a:rPr>
-              <a:t> После </a:t>
-            </a:r>
-            <a:r>
-              <a:rPr lang="ru-RU" sz="1200" kern="1200" baseline="0" dirty="0" smtClean="0">
-                <a:solidFill>
-                  <a:schemeClr val="tx1"/>
-                </a:solidFill>
-                <a:effectLst/>
-                <a:latin typeface="+mn-lt"/>
-                <a:ea typeface="+mn-ea"/>
-                <a:cs typeface="+mn-cs"/>
-              </a:rPr>
-              <a:t>создания </a:t>
-            </a:r>
-            <a:r>
-              <a:rPr lang="ru-RU" sz="1200" kern="1200" baseline="0" dirty="0" smtClean="0">
-                <a:solidFill>
-                  <a:schemeClr val="tx1"/>
-                </a:solidFill>
-                <a:effectLst/>
-                <a:latin typeface="+mn-lt"/>
-                <a:ea typeface="+mn-ea"/>
-                <a:cs typeface="+mn-cs"/>
-              </a:rPr>
-              <a:t>макета можно приступать к разработке сайта.</a:t>
+              <a:t> После создания макета можно приступать к разработке сайта.</a:t>
             </a:r>
             <a:endParaRPr lang="ru-RU" dirty="0"/>
           </a:p>
@@ -1796,6 +1749,107 @@
     <p:extLst>
       <p:ext uri="{BB962C8B-B14F-4D97-AF65-F5344CB8AC3E}">
         <p14:creationId xmlns:p14="http://schemas.microsoft.com/office/powerpoint/2010/main" val="1638600090"/>
+      </p:ext>
+    </p:extLst>
+  </p:cSld>
+  <p:clrMapOvr>
+    <a:masterClrMapping/>
+  </p:clrMapOvr>
+</p:notes>
+</file>
+
+<file path=ppt/notesSlides/notesSlide9.xml><?xml version="1.0" encoding="utf-8"?>
+<p:notes xmlns:a="http://schemas.openxmlformats.org/drawingml/2006/main" xmlns:r="http://schemas.openxmlformats.org/officeDocument/2006/relationships" xmlns:p="http://schemas.openxmlformats.org/presentationml/2006/main">
+  <p:cSld>
+    <p:spTree>
+      <p:nvGrpSpPr>
+        <p:cNvPr id="1" name=""/>
+        <p:cNvGrpSpPr/>
+        <p:nvPr/>
+      </p:nvGrpSpPr>
+      <p:grpSpPr>
+        <a:xfrm>
+          <a:off x="0" y="0"/>
+          <a:ext cx="0" cy="0"/>
+          <a:chOff x="0" y="0"/>
+          <a:chExt cx="0" cy="0"/>
+        </a:xfrm>
+      </p:grpSpPr>
+      <p:sp>
+        <p:nvSpPr>
+          <p:cNvPr id="2" name="Образ слайда 1"/>
+          <p:cNvSpPr>
+            <a:spLocks noGrp="1" noRot="1" noChangeAspect="1"/>
+          </p:cNvSpPr>
+          <p:nvPr>
+            <p:ph type="sldImg"/>
+          </p:nvPr>
+        </p:nvSpPr>
+        <p:spPr/>
+      </p:sp>
+      <p:sp>
+        <p:nvSpPr>
+          <p:cNvPr id="3" name="Заметки 2"/>
+          <p:cNvSpPr>
+            <a:spLocks noGrp="1"/>
+          </p:cNvSpPr>
+          <p:nvPr>
+            <p:ph type="body" idx="1"/>
+          </p:nvPr>
+        </p:nvSpPr>
+        <p:spPr/>
+        <p:txBody>
+          <a:bodyPr/>
+          <a:lstStyle/>
+          <a:p>
+            <a:r>
+              <a:rPr lang="ru-RU" dirty="0" smtClean="0"/>
+              <a:t>Тема</a:t>
+            </a:r>
+            <a:r>
+              <a:rPr lang="ru-RU" baseline="0" dirty="0" smtClean="0"/>
+              <a:t> курсового проекта Проектирование и разработка веб-</a:t>
+            </a:r>
+            <a:r>
+              <a:rPr lang="ru-RU" baseline="0" dirty="0" err="1" smtClean="0"/>
+              <a:t>квеста</a:t>
+            </a:r>
+            <a:r>
+              <a:rPr lang="ru-RU" baseline="0" dirty="0" smtClean="0"/>
+              <a:t> уязвимости веб приложений</a:t>
+            </a:r>
+            <a:endParaRPr lang="ru-RU" dirty="0"/>
+          </a:p>
+        </p:txBody>
+      </p:sp>
+      <p:sp>
+        <p:nvSpPr>
+          <p:cNvPr id="4" name="Номер слайда 3"/>
+          <p:cNvSpPr>
+            <a:spLocks noGrp="1"/>
+          </p:cNvSpPr>
+          <p:nvPr>
+            <p:ph type="sldNum" sz="quarter" idx="10"/>
+          </p:nvPr>
+        </p:nvSpPr>
+        <p:spPr/>
+        <p:txBody>
+          <a:bodyPr/>
+          <a:lstStyle/>
+          <a:p>
+            <a:fld id="{CB333C84-2CFA-4DD2-89FC-3019C6957BF5}" type="slidenum">
+              <a:rPr lang="ru-RU" smtClean="0"/>
+              <a:pPr/>
+              <a:t>9</a:t>
+            </a:fld>
+            <a:endParaRPr lang="ru-RU"/>
+          </a:p>
+        </p:txBody>
+      </p:sp>
+    </p:spTree>
+    <p:extLst>
+      <p:ext uri="{BB962C8B-B14F-4D97-AF65-F5344CB8AC3E}">
+        <p14:creationId xmlns:p14="http://schemas.microsoft.com/office/powerpoint/2010/main" val="3569496211"/>
       </p:ext>
     </p:extLst>
   </p:cSld>
@@ -10207,6 +10261,379 @@
     <p:extLst>
       <p:ext uri="{BB962C8B-B14F-4D97-AF65-F5344CB8AC3E}">
         <p14:creationId xmlns:p14="http://schemas.microsoft.com/office/powerpoint/2010/main" val="3760998473"/>
+      </p:ext>
+    </p:extLst>
+  </p:cSld>
+  <p:clrMapOvr>
+    <a:masterClrMapping/>
+  </p:clrMapOvr>
+  <mc:AlternateContent xmlns:mc="http://schemas.openxmlformats.org/markup-compatibility/2006" xmlns:p14="http://schemas.microsoft.com/office/powerpoint/2010/main">
+    <mc:Choice Requires="p14">
+      <p:transition p14:dur="0"/>
+    </mc:Choice>
+    <mc:Fallback xmlns="">
+      <p:transition/>
+    </mc:Fallback>
+  </mc:AlternateContent>
+  <p:timing>
+    <p:tnLst>
+      <p:par>
+        <p:cTn id="1" dur="indefinite" restart="never" nodeType="tmRoot"/>
+      </p:par>
+    </p:tnLst>
+  </p:timing>
+</p:sld>
+</file>
+
+<file path=ppt/slides/slide9.xml><?xml version="1.0" encoding="utf-8"?>
+<p:sld xmlns:a="http://schemas.openxmlformats.org/drawingml/2006/main" xmlns:r="http://schemas.openxmlformats.org/officeDocument/2006/relationships" xmlns:p="http://schemas.openxmlformats.org/presentationml/2006/main">
+  <p:cSld>
+    <p:spTree>
+      <p:nvGrpSpPr>
+        <p:cNvPr id="1" name=""/>
+        <p:cNvGrpSpPr/>
+        <p:nvPr/>
+      </p:nvGrpSpPr>
+      <p:grpSpPr>
+        <a:xfrm>
+          <a:off x="0" y="0"/>
+          <a:ext cx="0" cy="0"/>
+          <a:chOff x="0" y="0"/>
+          <a:chExt cx="0" cy="0"/>
+        </a:xfrm>
+      </p:grpSpPr>
+      <p:sp>
+        <p:nvSpPr>
+          <p:cNvPr id="14" name="Прямоугольник 13"/>
+          <p:cNvSpPr/>
+          <p:nvPr/>
+        </p:nvSpPr>
+        <p:spPr>
+          <a:xfrm>
+            <a:off x="4499992" y="116632"/>
+            <a:ext cx="4536504" cy="6624736"/>
+          </a:xfrm>
+          <a:prstGeom prst="rect">
+            <a:avLst/>
+          </a:prstGeom>
+          <a:ln w="76200">
+            <a:solidFill>
+              <a:srgbClr val="DE6522"/>
+            </a:solidFill>
+          </a:ln>
+          <a:effectLst>
+            <a:outerShdw blurRad="50800" dist="38100" dir="5400000" algn="t" rotWithShape="0">
+              <a:prstClr val="black">
+                <a:alpha val="40000"/>
+              </a:prstClr>
+            </a:outerShdw>
+          </a:effectLst>
+        </p:spPr>
+        <p:style>
+          <a:lnRef idx="2">
+            <a:schemeClr val="accent1"/>
+          </a:lnRef>
+          <a:fillRef idx="1">
+            <a:schemeClr val="lt1"/>
+          </a:fillRef>
+          <a:effectRef idx="0">
+            <a:schemeClr val="accent1"/>
+          </a:effectRef>
+          <a:fontRef idx="minor">
+            <a:schemeClr val="dk1"/>
+          </a:fontRef>
+        </p:style>
+        <p:txBody>
+          <a:bodyPr rtlCol="0" anchor="ctr"/>
+          <a:lstStyle/>
+          <a:p>
+            <a:endParaRPr lang="ru-RU" b="1" dirty="0" smtClean="0">
+              <a:solidFill>
+                <a:schemeClr val="tx1"/>
+              </a:solidFill>
+            </a:endParaRPr>
+          </a:p>
+          <a:p>
+            <a:endParaRPr lang="ru-RU" b="1" dirty="0" smtClean="0">
+              <a:solidFill>
+                <a:schemeClr val="tx1"/>
+              </a:solidFill>
+            </a:endParaRPr>
+          </a:p>
+          <a:p>
+            <a:endParaRPr lang="ru-RU" b="1" dirty="0" smtClean="0">
+              <a:solidFill>
+                <a:schemeClr val="tx1"/>
+              </a:solidFill>
+            </a:endParaRPr>
+          </a:p>
+          <a:p>
+            <a:endParaRPr lang="ru-RU" b="1" dirty="0" smtClean="0">
+              <a:solidFill>
+                <a:schemeClr val="tx1"/>
+              </a:solidFill>
+            </a:endParaRPr>
+          </a:p>
+          <a:p>
+            <a:endParaRPr lang="ru-RU" b="1" dirty="0" smtClean="0">
+              <a:solidFill>
+                <a:schemeClr val="tx1"/>
+              </a:solidFill>
+            </a:endParaRPr>
+          </a:p>
+          <a:p>
+            <a:r>
+              <a:rPr lang="ru-RU" b="1" dirty="0" smtClean="0">
+                <a:solidFill>
+                  <a:schemeClr val="tx1"/>
+                </a:solidFill>
+              </a:rPr>
+              <a:t>Студент группы Ир3-19 Платонов А.С.</a:t>
+            </a:r>
+          </a:p>
+          <a:p>
+            <a:endParaRPr lang="ru-RU" b="1" dirty="0" smtClean="0">
+              <a:solidFill>
+                <a:schemeClr val="tx1"/>
+              </a:solidFill>
+            </a:endParaRPr>
+          </a:p>
+          <a:p>
+            <a:r>
+              <a:rPr lang="ru-RU" b="1" dirty="0" smtClean="0">
+                <a:solidFill>
+                  <a:schemeClr val="tx1"/>
+                </a:solidFill>
+              </a:rPr>
+              <a:t>Руководитель Федотова Н.И.</a:t>
+            </a:r>
+            <a:endParaRPr lang="ru-RU" b="1" dirty="0">
+              <a:solidFill>
+                <a:schemeClr val="tx1"/>
+              </a:solidFill>
+            </a:endParaRPr>
+          </a:p>
+        </p:txBody>
+      </p:sp>
+      <p:pic>
+        <p:nvPicPr>
+          <p:cNvPr id="15" name="Рисунок 14"/>
+          <p:cNvPicPr>
+            <a:picLocks noChangeAspect="1"/>
+          </p:cNvPicPr>
+          <p:nvPr/>
+        </p:nvPicPr>
+        <p:blipFill>
+          <a:blip r:embed="rId3" cstate="print">
+            <a:extLst>
+              <a:ext uri="{28A0092B-C50C-407E-A947-70E740481C1C}">
+                <a14:useLocalDpi xmlns:a14="http://schemas.microsoft.com/office/drawing/2010/main" val="0"/>
+              </a:ext>
+            </a:extLst>
+          </a:blip>
+          <a:stretch>
+            <a:fillRect/>
+          </a:stretch>
+        </p:blipFill>
+        <p:spPr>
+          <a:xfrm>
+            <a:off x="-5177" y="0"/>
+            <a:ext cx="4433161" cy="6858000"/>
+          </a:xfrm>
+          <a:prstGeom prst="rect">
+            <a:avLst/>
+          </a:prstGeom>
+          <a:effectLst>
+            <a:outerShdw blurRad="50800" dist="38100" dir="5400000" algn="t" rotWithShape="0">
+              <a:prstClr val="black">
+                <a:alpha val="40000"/>
+              </a:prstClr>
+            </a:outerShdw>
+          </a:effectLst>
+        </p:spPr>
+      </p:pic>
+      <p:grpSp>
+        <p:nvGrpSpPr>
+          <p:cNvPr id="8" name="Группа 7"/>
+          <p:cNvGrpSpPr/>
+          <p:nvPr/>
+        </p:nvGrpSpPr>
+        <p:grpSpPr>
+          <a:xfrm>
+            <a:off x="107504" y="5085184"/>
+            <a:ext cx="6480720" cy="1296144"/>
+            <a:chOff x="2843808" y="5033185"/>
+            <a:chExt cx="5688632" cy="1080120"/>
+          </a:xfrm>
+          <a:effectLst>
+            <a:outerShdw blurRad="50800" dist="38100" dir="5400000" algn="t" rotWithShape="0">
+              <a:prstClr val="black">
+                <a:alpha val="40000"/>
+              </a:prstClr>
+            </a:outerShdw>
+          </a:effectLst>
+        </p:grpSpPr>
+        <p:sp>
+          <p:nvSpPr>
+            <p:cNvPr id="7" name="Прямоугольник 6"/>
+            <p:cNvSpPr/>
+            <p:nvPr/>
+          </p:nvSpPr>
+          <p:spPr>
+            <a:xfrm>
+              <a:off x="2843808" y="5033185"/>
+              <a:ext cx="5688632" cy="1080120"/>
+            </a:xfrm>
+            <a:prstGeom prst="rect">
+              <a:avLst/>
+            </a:prstGeom>
+          </p:spPr>
+          <p:style>
+            <a:lnRef idx="2">
+              <a:schemeClr val="accent1"/>
+            </a:lnRef>
+            <a:fillRef idx="1">
+              <a:schemeClr val="lt1"/>
+            </a:fillRef>
+            <a:effectRef idx="0">
+              <a:schemeClr val="accent1"/>
+            </a:effectRef>
+            <a:fontRef idx="minor">
+              <a:schemeClr val="dk1"/>
+            </a:fontRef>
+          </p:style>
+          <p:txBody>
+            <a:bodyPr rtlCol="0" anchor="ctr"/>
+            <a:lstStyle/>
+            <a:p>
+              <a:pPr algn="ctr"/>
+              <a:endParaRPr lang="ru-RU"/>
+            </a:p>
+          </p:txBody>
+        </p:sp>
+        <p:pic>
+          <p:nvPicPr>
+            <p:cNvPr id="5" name="Рисунок 4"/>
+            <p:cNvPicPr>
+              <a:picLocks noChangeAspect="1"/>
+            </p:cNvPicPr>
+            <p:nvPr/>
+          </p:nvPicPr>
+          <p:blipFill>
+            <a:blip r:embed="rId4" cstate="print">
+              <a:extLst>
+                <a:ext uri="{28A0092B-C50C-407E-A947-70E740481C1C}">
+                  <a14:useLocalDpi xmlns:a14="http://schemas.microsoft.com/office/drawing/2010/main" val="0"/>
+                </a:ext>
+              </a:extLst>
+            </a:blip>
+            <a:stretch>
+              <a:fillRect/>
+            </a:stretch>
+          </p:blipFill>
+          <p:spPr>
+            <a:xfrm>
+              <a:off x="3059832" y="5157192"/>
+              <a:ext cx="5154178" cy="832106"/>
+            </a:xfrm>
+            <a:prstGeom prst="rect">
+              <a:avLst/>
+            </a:prstGeom>
+          </p:spPr>
+        </p:pic>
+      </p:grpSp>
+      <p:sp>
+        <p:nvSpPr>
+          <p:cNvPr id="13" name="TextBox 12"/>
+          <p:cNvSpPr txBox="1"/>
+          <p:nvPr/>
+        </p:nvSpPr>
+        <p:spPr>
+          <a:xfrm>
+            <a:off x="4572000" y="692695"/>
+            <a:ext cx="4320480" cy="2062103"/>
+          </a:xfrm>
+          <a:prstGeom prst="rect">
+            <a:avLst/>
+          </a:prstGeom>
+          <a:noFill/>
+        </p:spPr>
+        <p:txBody>
+          <a:bodyPr wrap="square" rtlCol="0">
+            <a:spAutoFit/>
+          </a:bodyPr>
+          <a:lstStyle/>
+          <a:p>
+            <a:pPr algn="ctr"/>
+            <a:r>
+              <a:rPr lang="ru-RU" sz="3200" b="1" dirty="0" smtClean="0">
+                <a:solidFill>
+                  <a:schemeClr val="accent3">
+                    <a:lumMod val="75000"/>
+                  </a:schemeClr>
+                </a:solidFill>
+              </a:rPr>
+              <a:t>Проектирование и разработка веб-</a:t>
+            </a:r>
+            <a:r>
+              <a:rPr lang="ru-RU" sz="3200" b="1" dirty="0" err="1" smtClean="0">
+                <a:solidFill>
+                  <a:schemeClr val="accent3">
+                    <a:lumMod val="75000"/>
+                  </a:schemeClr>
+                </a:solidFill>
+              </a:rPr>
+              <a:t>квеста</a:t>
+            </a:r>
+            <a:r>
+              <a:rPr lang="ru-RU" sz="3200" b="1" dirty="0" smtClean="0">
+                <a:solidFill>
+                  <a:schemeClr val="accent3">
+                    <a:lumMod val="75000"/>
+                  </a:schemeClr>
+                </a:solidFill>
+              </a:rPr>
+              <a:t> уязвимости веб приложений</a:t>
+            </a:r>
+            <a:endParaRPr lang="ru-RU" sz="3000" b="1" dirty="0" smtClean="0">
+              <a:solidFill>
+                <a:schemeClr val="accent3">
+                  <a:lumMod val="75000"/>
+                </a:schemeClr>
+              </a:solidFill>
+              <a:latin typeface="+mj-lt"/>
+            </a:endParaRPr>
+          </a:p>
+        </p:txBody>
+      </p:sp>
+      <p:sp>
+        <p:nvSpPr>
+          <p:cNvPr id="2" name="Номер слайда 1"/>
+          <p:cNvSpPr>
+            <a:spLocks noGrp="1"/>
+          </p:cNvSpPr>
+          <p:nvPr>
+            <p:ph type="sldNum" sz="quarter" idx="12"/>
+          </p:nvPr>
+        </p:nvSpPr>
+        <p:spPr/>
+        <p:txBody>
+          <a:bodyPr/>
+          <a:lstStyle/>
+          <a:p>
+            <a:fld id="{47D3A3A5-6838-4BA8-BE42-EBE612759A09}" type="slidenum">
+              <a:rPr lang="ru-RU" smtClean="0"/>
+              <a:pPr/>
+              <a:t>9</a:t>
+            </a:fld>
+            <a:endParaRPr lang="ru-RU"/>
+          </a:p>
+        </p:txBody>
+      </p:sp>
+    </p:spTree>
+    <p:extLst>
+      <p:ext uri="{BB962C8B-B14F-4D97-AF65-F5344CB8AC3E}">
+        <p14:creationId xmlns:p14="http://schemas.microsoft.com/office/powerpoint/2010/main" val="687918558"/>
       </p:ext>
     </p:extLst>
   </p:cSld>
